--- a/instructions_animation.pptx
+++ b/instructions_animation.pptx
@@ -280,7 +280,7 @@
           <a:p>
             <a:fld id="{80CE131E-7963-4B8C-96EC-6CDAFA978769}" type="datetimeFigureOut">
               <a:rPr lang="en-US" smtClean="0"/>
-              <a:t>3/8/2018</a:t>
+              <a:t>4/3/2018</a:t>
             </a:fld>
             <a:endParaRPr lang="en-US"/>
           </a:p>
@@ -450,7 +450,7 @@
           <a:p>
             <a:fld id="{80CE131E-7963-4B8C-96EC-6CDAFA978769}" type="datetimeFigureOut">
               <a:rPr lang="en-US" smtClean="0"/>
-              <a:t>3/8/2018</a:t>
+              <a:t>4/3/2018</a:t>
             </a:fld>
             <a:endParaRPr lang="en-US"/>
           </a:p>
@@ -630,7 +630,7 @@
           <a:p>
             <a:fld id="{80CE131E-7963-4B8C-96EC-6CDAFA978769}" type="datetimeFigureOut">
               <a:rPr lang="en-US" smtClean="0"/>
-              <a:t>3/8/2018</a:t>
+              <a:t>4/3/2018</a:t>
             </a:fld>
             <a:endParaRPr lang="en-US"/>
           </a:p>
@@ -800,7 +800,7 @@
           <a:p>
             <a:fld id="{80CE131E-7963-4B8C-96EC-6CDAFA978769}" type="datetimeFigureOut">
               <a:rPr lang="en-US" smtClean="0"/>
-              <a:t>3/8/2018</a:t>
+              <a:t>4/3/2018</a:t>
             </a:fld>
             <a:endParaRPr lang="en-US"/>
           </a:p>
@@ -1046,7 +1046,7 @@
           <a:p>
             <a:fld id="{80CE131E-7963-4B8C-96EC-6CDAFA978769}" type="datetimeFigureOut">
               <a:rPr lang="en-US" smtClean="0"/>
-              <a:t>3/8/2018</a:t>
+              <a:t>4/3/2018</a:t>
             </a:fld>
             <a:endParaRPr lang="en-US"/>
           </a:p>
@@ -1278,7 +1278,7 @@
           <a:p>
             <a:fld id="{80CE131E-7963-4B8C-96EC-6CDAFA978769}" type="datetimeFigureOut">
               <a:rPr lang="en-US" smtClean="0"/>
-              <a:t>3/8/2018</a:t>
+              <a:t>4/3/2018</a:t>
             </a:fld>
             <a:endParaRPr lang="en-US"/>
           </a:p>
@@ -1645,7 +1645,7 @@
           <a:p>
             <a:fld id="{80CE131E-7963-4B8C-96EC-6CDAFA978769}" type="datetimeFigureOut">
               <a:rPr lang="en-US" smtClean="0"/>
-              <a:t>3/8/2018</a:t>
+              <a:t>4/3/2018</a:t>
             </a:fld>
             <a:endParaRPr lang="en-US"/>
           </a:p>
@@ -1763,7 +1763,7 @@
           <a:p>
             <a:fld id="{80CE131E-7963-4B8C-96EC-6CDAFA978769}" type="datetimeFigureOut">
               <a:rPr lang="en-US" smtClean="0"/>
-              <a:t>3/8/2018</a:t>
+              <a:t>4/3/2018</a:t>
             </a:fld>
             <a:endParaRPr lang="en-US"/>
           </a:p>
@@ -1858,7 +1858,7 @@
           <a:p>
             <a:fld id="{80CE131E-7963-4B8C-96EC-6CDAFA978769}" type="datetimeFigureOut">
               <a:rPr lang="en-US" smtClean="0"/>
-              <a:t>3/8/2018</a:t>
+              <a:t>4/3/2018</a:t>
             </a:fld>
             <a:endParaRPr lang="en-US"/>
           </a:p>
@@ -2135,7 +2135,7 @@
           <a:p>
             <a:fld id="{80CE131E-7963-4B8C-96EC-6CDAFA978769}" type="datetimeFigureOut">
               <a:rPr lang="en-US" smtClean="0"/>
-              <a:t>3/8/2018</a:t>
+              <a:t>4/3/2018</a:t>
             </a:fld>
             <a:endParaRPr lang="en-US"/>
           </a:p>
@@ -2388,7 +2388,7 @@
           <a:p>
             <a:fld id="{80CE131E-7963-4B8C-96EC-6CDAFA978769}" type="datetimeFigureOut">
               <a:rPr lang="en-US" smtClean="0"/>
-              <a:t>3/8/2018</a:t>
+              <a:t>4/3/2018</a:t>
             </a:fld>
             <a:endParaRPr lang="en-US"/>
           </a:p>
@@ -2601,7 +2601,7 @@
           <a:p>
             <a:fld id="{80CE131E-7963-4B8C-96EC-6CDAFA978769}" type="datetimeFigureOut">
               <a:rPr lang="en-US" smtClean="0"/>
-              <a:t>3/8/2018</a:t>
+              <a:t>4/3/2018</a:t>
             </a:fld>
             <a:endParaRPr lang="en-US"/>
           </a:p>
@@ -3440,11 +3440,11 @@
   <p:clrMapOvr>
     <a:masterClrMapping/>
   </p:clrMapOvr>
-  <mc:AlternateContent xmlns:mc="http://schemas.openxmlformats.org/markup-compatibility/2006">
-    <mc:Choice xmlns:p14="http://schemas.microsoft.com/office/powerpoint/2010/main" Requires="p14">
+  <mc:AlternateContent xmlns:mc="http://schemas.openxmlformats.org/markup-compatibility/2006" xmlns:p14="http://schemas.microsoft.com/office/powerpoint/2010/main">
+    <mc:Choice Requires="p14">
       <p:transition spd="slow" p14:dur="2000"/>
     </mc:Choice>
-    <mc:Fallback>
+    <mc:Fallback xmlns="">
       <p:transition spd="slow"/>
     </mc:Fallback>
   </mc:AlternateContent>
@@ -3764,11 +3764,11 @@
   <p:clrMapOvr>
     <a:masterClrMapping/>
   </p:clrMapOvr>
-  <mc:AlternateContent xmlns:mc="http://schemas.openxmlformats.org/markup-compatibility/2006">
-    <mc:Choice xmlns:p14="http://schemas.microsoft.com/office/powerpoint/2010/main" Requires="p14">
+  <mc:AlternateContent xmlns:mc="http://schemas.openxmlformats.org/markup-compatibility/2006" xmlns:p14="http://schemas.microsoft.com/office/powerpoint/2010/main">
+    <mc:Choice Requires="p14">
       <p:transition spd="slow" p14:dur="2000"/>
     </mc:Choice>
-    <mc:Fallback>
+    <mc:Fallback xmlns="">
       <p:transition spd="slow"/>
     </mc:Fallback>
   </mc:AlternateContent>
@@ -3871,11 +3871,11 @@
   <p:clrMapOvr>
     <a:masterClrMapping/>
   </p:clrMapOvr>
-  <mc:AlternateContent xmlns:mc="http://schemas.openxmlformats.org/markup-compatibility/2006">
-    <mc:Choice xmlns:p14="http://schemas.microsoft.com/office/powerpoint/2010/main" Requires="p14">
+  <mc:AlternateContent xmlns:mc="http://schemas.openxmlformats.org/markup-compatibility/2006" xmlns:p14="http://schemas.microsoft.com/office/powerpoint/2010/main">
+    <mc:Choice Requires="p14">
       <p:transition spd="slow" p14:dur="2000"/>
     </mc:Choice>
-    <mc:Fallback>
+    <mc:Fallback xmlns="">
       <p:transition spd="slow"/>
     </mc:Fallback>
   </mc:AlternateContent>
@@ -4021,15 +4021,7 @@
             <a:pPr algn="ctr"/>
             <a:r>
               <a:rPr lang="en-US" sz="2400" dirty="0" smtClean="0"/>
-              <a:t>To respond, </a:t>
-            </a:r>
-            <a:r>
-              <a:rPr lang="en-US" sz="2400" dirty="0" smtClean="0"/>
-              <a:t>use the button box, one side </a:t>
-            </a:r>
-            <a:r>
-              <a:rPr lang="en-US" sz="2400" dirty="0" smtClean="0"/>
-              <a:t>for “</a:t>
+              <a:t>To respond, use the button box, one side for “</a:t>
             </a:r>
             <a:r>
               <a:rPr lang="en-US" sz="2400" dirty="0" smtClean="0">
@@ -4151,11 +4143,7 @@
             <a:pPr algn="ctr"/>
             <a:r>
               <a:rPr lang="en-US" sz="2400" dirty="0" smtClean="0"/>
-              <a:t>Your button box is </a:t>
-            </a:r>
-            <a:r>
-              <a:rPr lang="en-US" sz="2400" dirty="0" smtClean="0"/>
-              <a:t>either of the cases shown above </a:t>
+              <a:t>Your button box is either of the cases shown above </a:t>
             </a:r>
           </a:p>
         </p:txBody>
@@ -4188,15 +4176,7 @@
                   <a:srgbClr val="1E9A74"/>
                 </a:solidFill>
               </a:rPr>
-              <a:t>         LEFT: </a:t>
-            </a:r>
-            <a:r>
-              <a:rPr lang="en-US" sz="2400" dirty="0" smtClean="0">
-                <a:solidFill>
-                  <a:srgbClr val="1E9A74"/>
-                </a:solidFill>
-              </a:rPr>
-              <a:t>SAME</a:t>
+              <a:t>         LEFT: SAME</a:t>
             </a:r>
             <a:r>
               <a:rPr lang="en-US" sz="2400" dirty="0" smtClean="0">
@@ -4204,23 +4184,7 @@
                   <a:srgbClr val="C00000"/>
                 </a:solidFill>
               </a:rPr>
-              <a:t>    </a:t>
-            </a:r>
-            <a:r>
-              <a:rPr lang="en-US" sz="2400" dirty="0" smtClean="0">
-                <a:solidFill>
-                  <a:srgbClr val="C00000"/>
-                </a:solidFill>
-              </a:rPr>
-              <a:t>RIGHT: </a:t>
-            </a:r>
-            <a:r>
-              <a:rPr lang="en-US" sz="2400" dirty="0" smtClean="0">
-                <a:solidFill>
-                  <a:srgbClr val="C00000"/>
-                </a:solidFill>
-              </a:rPr>
-              <a:t>DIFFERENT</a:t>
+              <a:t>    RIGHT: DIFFERENT</a:t>
             </a:r>
             <a:endParaRPr lang="en-US" sz="2400" dirty="0">
               <a:solidFill>
@@ -4298,23 +4262,7 @@
                   <a:srgbClr val="C00000"/>
                 </a:solidFill>
               </a:rPr>
-              <a:t>  LEFT: </a:t>
-            </a:r>
-            <a:r>
-              <a:rPr lang="en-US" sz="2400" dirty="0" smtClean="0">
-                <a:solidFill>
-                  <a:srgbClr val="C00000"/>
-                </a:solidFill>
-              </a:rPr>
-              <a:t>DIFFERENT   </a:t>
-            </a:r>
-            <a:r>
-              <a:rPr lang="en-US" sz="2400" dirty="0" smtClean="0">
-                <a:solidFill>
-                  <a:srgbClr val="C00000"/>
-                </a:solidFill>
-              </a:rPr>
-              <a:t> </a:t>
+              <a:t>  LEFT: DIFFERENT    </a:t>
             </a:r>
             <a:r>
               <a:rPr lang="en-US" sz="2400" dirty="0">
@@ -4324,11 +4272,6 @@
               </a:rPr>
               <a:t>RIGHT: SAME</a:t>
             </a:r>
-            <a:endParaRPr lang="en-US" sz="2400" dirty="0">
-              <a:solidFill>
-                <a:srgbClr val="1E9A74"/>
-              </a:solidFill>
-            </a:endParaRPr>
           </a:p>
         </p:txBody>
       </p:sp>
@@ -5567,11 +5510,11 @@
   <p:clrMapOvr>
     <a:masterClrMapping/>
   </p:clrMapOvr>
-  <mc:AlternateContent xmlns:mc="http://schemas.openxmlformats.org/markup-compatibility/2006">
-    <mc:Choice xmlns:p14="http://schemas.microsoft.com/office/powerpoint/2010/main" Requires="p14">
+  <mc:AlternateContent xmlns:mc="http://schemas.openxmlformats.org/markup-compatibility/2006" xmlns:p14="http://schemas.microsoft.com/office/powerpoint/2010/main">
+    <mc:Choice Requires="p14">
       <p:transition spd="slow" p14:dur="2000"/>
     </mc:Choice>
-    <mc:Fallback>
+    <mc:Fallback xmlns="">
       <p:transition spd="slow"/>
     </mc:Fallback>
   </mc:AlternateContent>
@@ -7049,11 +6992,11 @@
   <p:clrMapOvr>
     <a:masterClrMapping/>
   </p:clrMapOvr>
-  <mc:AlternateContent xmlns:mc="http://schemas.openxmlformats.org/markup-compatibility/2006">
-    <mc:Choice xmlns:p14="http://schemas.microsoft.com/office/powerpoint/2010/main" Requires="p14">
+  <mc:AlternateContent xmlns:mc="http://schemas.openxmlformats.org/markup-compatibility/2006" xmlns:p14="http://schemas.microsoft.com/office/powerpoint/2010/main">
+    <mc:Choice Requires="p14">
       <p:transition spd="slow" p14:dur="2000"/>
     </mc:Choice>
-    <mc:Fallback>
+    <mc:Fallback xmlns="">
       <p:transition spd="slow"/>
     </mc:Fallback>
   </mc:AlternateContent>
@@ -7142,15 +7085,7 @@
                   <a:srgbClr val="1E9A74"/>
                 </a:solidFill>
               </a:rPr>
-              <a:t>         LEFT: </a:t>
-            </a:r>
-            <a:r>
-              <a:rPr lang="en-US" sz="2400" dirty="0" smtClean="0">
-                <a:solidFill>
-                  <a:srgbClr val="1E9A74"/>
-                </a:solidFill>
-              </a:rPr>
-              <a:t>SAME</a:t>
+              <a:t>         LEFT: SAME</a:t>
             </a:r>
             <a:r>
               <a:rPr lang="en-US" sz="2400" dirty="0" smtClean="0">
@@ -7158,23 +7093,7 @@
                   <a:srgbClr val="C00000"/>
                 </a:solidFill>
               </a:rPr>
-              <a:t>    </a:t>
-            </a:r>
-            <a:r>
-              <a:rPr lang="en-US" sz="2400" dirty="0" smtClean="0">
-                <a:solidFill>
-                  <a:srgbClr val="C00000"/>
-                </a:solidFill>
-              </a:rPr>
-              <a:t>RIGHT: </a:t>
-            </a:r>
-            <a:r>
-              <a:rPr lang="en-US" sz="2400" dirty="0" smtClean="0">
-                <a:solidFill>
-                  <a:srgbClr val="C00000"/>
-                </a:solidFill>
-              </a:rPr>
-              <a:t>DIFFERENT</a:t>
+              <a:t>    RIGHT: DIFFERENT</a:t>
             </a:r>
             <a:endParaRPr lang="en-US" sz="2400" dirty="0">
               <a:solidFill>
@@ -7252,23 +7171,7 @@
                   <a:srgbClr val="C00000"/>
                 </a:solidFill>
               </a:rPr>
-              <a:t>  LEFT: </a:t>
-            </a:r>
-            <a:r>
-              <a:rPr lang="en-US" sz="2400" dirty="0" smtClean="0">
-                <a:solidFill>
-                  <a:srgbClr val="C00000"/>
-                </a:solidFill>
-              </a:rPr>
-              <a:t>DIFFERENT   </a:t>
-            </a:r>
-            <a:r>
-              <a:rPr lang="en-US" sz="2400" dirty="0" smtClean="0">
-                <a:solidFill>
-                  <a:srgbClr val="C00000"/>
-                </a:solidFill>
-              </a:rPr>
-              <a:t> </a:t>
+              <a:t>  LEFT: DIFFERENT    </a:t>
             </a:r>
             <a:r>
               <a:rPr lang="en-US" sz="2400" dirty="0">
@@ -7278,11 +7181,6 @@
               </a:rPr>
               <a:t>RIGHT: SAME</a:t>
             </a:r>
-            <a:endParaRPr lang="en-US" sz="2400" dirty="0">
-              <a:solidFill>
-                <a:srgbClr val="1E9A74"/>
-              </a:solidFill>
-            </a:endParaRPr>
           </a:p>
         </p:txBody>
       </p:sp>
@@ -10969,8 +10867,8 @@
         </p:nvSpPr>
         <p:spPr>
           <a:xfrm>
-            <a:off x="1164858" y="5692580"/>
-            <a:ext cx="9759082" cy="461665"/>
+            <a:off x="1087112" y="5692580"/>
+            <a:ext cx="9914574" cy="461665"/>
           </a:xfrm>
           <a:prstGeom prst="rect">
             <a:avLst/>
@@ -10986,480 +10884,41 @@
             <a:pPr algn="ctr"/>
             <a:r>
               <a:rPr lang="en-US" sz="2400" dirty="0" smtClean="0"/>
-              <a:t>You’ll be doing 5 blocks of this task, with around 100 comparisons each block</a:t>
+              <a:t>You’ll be doing </a:t>
+            </a:r>
+            <a:r>
+              <a:rPr lang="en-US" sz="2400" dirty="0" smtClean="0"/>
+              <a:t>10 </a:t>
+            </a:r>
+            <a:r>
+              <a:rPr lang="en-US" sz="2400" dirty="0" smtClean="0"/>
+              <a:t>blocks of this task, with around </a:t>
+            </a:r>
+            <a:r>
+              <a:rPr lang="en-US" sz="2400" dirty="0" smtClean="0"/>
+              <a:t>60 </a:t>
+            </a:r>
+            <a:r>
+              <a:rPr lang="en-US" sz="2400" dirty="0" smtClean="0"/>
+              <a:t>comparisons each block</a:t>
             </a:r>
             <a:endParaRPr lang="en-US" sz="2400" dirty="0"/>
           </a:p>
         </p:txBody>
       </p:sp>
-      <p:grpSp>
-        <p:nvGrpSpPr>
-          <p:cNvPr id="2" name="Group 1"/>
-          <p:cNvGrpSpPr/>
-          <p:nvPr/>
-        </p:nvGrpSpPr>
-        <p:grpSpPr>
-          <a:xfrm>
-            <a:off x="866274" y="1937084"/>
-            <a:ext cx="1206866" cy="1143000"/>
-            <a:chOff x="866274" y="1937084"/>
-            <a:chExt cx="1206866" cy="1143000"/>
-          </a:xfrm>
-        </p:grpSpPr>
-        <p:sp>
-          <p:nvSpPr>
-            <p:cNvPr id="3" name="Rectangle 2"/>
-            <p:cNvSpPr/>
-            <p:nvPr/>
-          </p:nvSpPr>
-          <p:spPr>
-            <a:xfrm>
-              <a:off x="866274" y="1937084"/>
-              <a:ext cx="1143000" cy="1143000"/>
-            </a:xfrm>
-            <a:prstGeom prst="rect">
-              <a:avLst/>
-            </a:prstGeom>
-            <a:noFill/>
-            <a:ln w="28575">
-              <a:solidFill>
-                <a:schemeClr val="tx1"/>
-              </a:solidFill>
-            </a:ln>
-          </p:spPr>
-          <p:style>
-            <a:lnRef idx="2">
-              <a:schemeClr val="accent1">
-                <a:shade val="50000"/>
-              </a:schemeClr>
-            </a:lnRef>
-            <a:fillRef idx="1">
-              <a:schemeClr val="accent1"/>
-            </a:fillRef>
-            <a:effectRef idx="0">
-              <a:schemeClr val="accent1"/>
-            </a:effectRef>
-            <a:fontRef idx="minor">
-              <a:schemeClr val="lt1"/>
-            </a:fontRef>
-          </p:style>
-          <p:txBody>
-            <a:bodyPr rtlCol="0" anchor="ctr"/>
-            <a:lstStyle/>
-            <a:p>
-              <a:pPr algn="ctr"/>
-              <a:endParaRPr lang="en-US"/>
-            </a:p>
-          </p:txBody>
-        </p:sp>
-        <p:sp>
-          <p:nvSpPr>
-            <p:cNvPr id="4" name="TextBox 3"/>
-            <p:cNvSpPr txBox="1"/>
-            <p:nvPr/>
-          </p:nvSpPr>
-          <p:spPr>
-            <a:xfrm>
-              <a:off x="917824" y="2323918"/>
-              <a:ext cx="1155316" cy="369332"/>
-            </a:xfrm>
-            <a:prstGeom prst="rect">
-              <a:avLst/>
-            </a:prstGeom>
-            <a:noFill/>
-          </p:spPr>
-          <p:txBody>
-            <a:bodyPr wrap="none" rtlCol="0">
-              <a:spAutoFit/>
-            </a:bodyPr>
-            <a:lstStyle/>
-            <a:p>
-              <a:r>
-                <a:rPr lang="en-US" dirty="0" smtClean="0"/>
-                <a:t>~120 pairs</a:t>
-              </a:r>
-              <a:endParaRPr lang="en-US" dirty="0"/>
-            </a:p>
-          </p:txBody>
-        </p:sp>
-      </p:grpSp>
-      <p:grpSp>
-        <p:nvGrpSpPr>
-          <p:cNvPr id="14" name="Group 13"/>
-          <p:cNvGrpSpPr/>
-          <p:nvPr/>
-        </p:nvGrpSpPr>
-        <p:grpSpPr>
-          <a:xfrm>
-            <a:off x="3225342" y="1937084"/>
-            <a:ext cx="1206866" cy="1143000"/>
-            <a:chOff x="3225342" y="1937084"/>
-            <a:chExt cx="1206866" cy="1143000"/>
-          </a:xfrm>
-        </p:grpSpPr>
-        <p:sp>
-          <p:nvSpPr>
-            <p:cNvPr id="6" name="Rectangle 5"/>
-            <p:cNvSpPr/>
-            <p:nvPr/>
-          </p:nvSpPr>
-          <p:spPr>
-            <a:xfrm>
-              <a:off x="3225342" y="1937084"/>
-              <a:ext cx="1143000" cy="1143000"/>
-            </a:xfrm>
-            <a:prstGeom prst="rect">
-              <a:avLst/>
-            </a:prstGeom>
-            <a:noFill/>
-            <a:ln w="28575">
-              <a:solidFill>
-                <a:schemeClr val="tx1"/>
-              </a:solidFill>
-            </a:ln>
-          </p:spPr>
-          <p:style>
-            <a:lnRef idx="2">
-              <a:schemeClr val="accent1">
-                <a:shade val="50000"/>
-              </a:schemeClr>
-            </a:lnRef>
-            <a:fillRef idx="1">
-              <a:schemeClr val="accent1"/>
-            </a:fillRef>
-            <a:effectRef idx="0">
-              <a:schemeClr val="accent1"/>
-            </a:effectRef>
-            <a:fontRef idx="minor">
-              <a:schemeClr val="lt1"/>
-            </a:fontRef>
-          </p:style>
-          <p:txBody>
-            <a:bodyPr rtlCol="0" anchor="ctr"/>
-            <a:lstStyle/>
-            <a:p>
-              <a:pPr algn="ctr"/>
-              <a:endParaRPr lang="en-US"/>
-            </a:p>
-          </p:txBody>
-        </p:sp>
-        <p:sp>
-          <p:nvSpPr>
-            <p:cNvPr id="10" name="TextBox 9"/>
-            <p:cNvSpPr txBox="1"/>
-            <p:nvPr/>
-          </p:nvSpPr>
-          <p:spPr>
-            <a:xfrm>
-              <a:off x="3276892" y="2323918"/>
-              <a:ext cx="1155316" cy="369332"/>
-            </a:xfrm>
-            <a:prstGeom prst="rect">
-              <a:avLst/>
-            </a:prstGeom>
-            <a:noFill/>
-          </p:spPr>
-          <p:txBody>
-            <a:bodyPr wrap="none" rtlCol="0">
-              <a:spAutoFit/>
-            </a:bodyPr>
-            <a:lstStyle/>
-            <a:p>
-              <a:r>
-                <a:rPr lang="en-US" dirty="0" smtClean="0"/>
-                <a:t>~120 pairs</a:t>
-              </a:r>
-              <a:endParaRPr lang="en-US" dirty="0"/>
-            </a:p>
-          </p:txBody>
-        </p:sp>
-      </p:grpSp>
-      <p:grpSp>
-        <p:nvGrpSpPr>
-          <p:cNvPr id="15" name="Group 14"/>
-          <p:cNvGrpSpPr/>
-          <p:nvPr/>
-        </p:nvGrpSpPr>
-        <p:grpSpPr>
-          <a:xfrm>
-            <a:off x="5584410" y="1937084"/>
-            <a:ext cx="1206866" cy="1143000"/>
-            <a:chOff x="5584410" y="1937084"/>
-            <a:chExt cx="1206866" cy="1143000"/>
-          </a:xfrm>
-        </p:grpSpPr>
-        <p:sp>
-          <p:nvSpPr>
-            <p:cNvPr id="7" name="Rectangle 6"/>
-            <p:cNvSpPr/>
-            <p:nvPr/>
-          </p:nvSpPr>
-          <p:spPr>
-            <a:xfrm>
-              <a:off x="5584410" y="1937084"/>
-              <a:ext cx="1143000" cy="1143000"/>
-            </a:xfrm>
-            <a:prstGeom prst="rect">
-              <a:avLst/>
-            </a:prstGeom>
-            <a:noFill/>
-            <a:ln w="28575">
-              <a:solidFill>
-                <a:schemeClr val="tx1"/>
-              </a:solidFill>
-            </a:ln>
-          </p:spPr>
-          <p:style>
-            <a:lnRef idx="2">
-              <a:schemeClr val="accent1">
-                <a:shade val="50000"/>
-              </a:schemeClr>
-            </a:lnRef>
-            <a:fillRef idx="1">
-              <a:schemeClr val="accent1"/>
-            </a:fillRef>
-            <a:effectRef idx="0">
-              <a:schemeClr val="accent1"/>
-            </a:effectRef>
-            <a:fontRef idx="minor">
-              <a:schemeClr val="lt1"/>
-            </a:fontRef>
-          </p:style>
-          <p:txBody>
-            <a:bodyPr rtlCol="0" anchor="ctr"/>
-            <a:lstStyle/>
-            <a:p>
-              <a:pPr algn="ctr"/>
-              <a:endParaRPr lang="en-US"/>
-            </a:p>
-          </p:txBody>
-        </p:sp>
-        <p:sp>
-          <p:nvSpPr>
-            <p:cNvPr id="11" name="TextBox 10"/>
-            <p:cNvSpPr txBox="1"/>
-            <p:nvPr/>
-          </p:nvSpPr>
-          <p:spPr>
-            <a:xfrm>
-              <a:off x="5635960" y="2323918"/>
-              <a:ext cx="1155316" cy="369332"/>
-            </a:xfrm>
-            <a:prstGeom prst="rect">
-              <a:avLst/>
-            </a:prstGeom>
-            <a:noFill/>
-          </p:spPr>
-          <p:txBody>
-            <a:bodyPr wrap="none" rtlCol="0">
-              <a:spAutoFit/>
-            </a:bodyPr>
-            <a:lstStyle/>
-            <a:p>
-              <a:r>
-                <a:rPr lang="en-US" dirty="0" smtClean="0"/>
-                <a:t>~120 pairs</a:t>
-              </a:r>
-              <a:endParaRPr lang="en-US" dirty="0"/>
-            </a:p>
-          </p:txBody>
-        </p:sp>
-      </p:grpSp>
-      <p:grpSp>
-        <p:nvGrpSpPr>
-          <p:cNvPr id="16" name="Group 15"/>
-          <p:cNvGrpSpPr/>
-          <p:nvPr/>
-        </p:nvGrpSpPr>
-        <p:grpSpPr>
-          <a:xfrm>
-            <a:off x="7943478" y="1937084"/>
-            <a:ext cx="1206866" cy="1143000"/>
-            <a:chOff x="7943478" y="1937084"/>
-            <a:chExt cx="1206866" cy="1143000"/>
-          </a:xfrm>
-        </p:grpSpPr>
-        <p:sp>
-          <p:nvSpPr>
-            <p:cNvPr id="8" name="Rectangle 7"/>
-            <p:cNvSpPr/>
-            <p:nvPr/>
-          </p:nvSpPr>
-          <p:spPr>
-            <a:xfrm>
-              <a:off x="7943478" y="1937084"/>
-              <a:ext cx="1143000" cy="1143000"/>
-            </a:xfrm>
-            <a:prstGeom prst="rect">
-              <a:avLst/>
-            </a:prstGeom>
-            <a:noFill/>
-            <a:ln w="28575">
-              <a:solidFill>
-                <a:schemeClr val="tx1"/>
-              </a:solidFill>
-            </a:ln>
-          </p:spPr>
-          <p:style>
-            <a:lnRef idx="2">
-              <a:schemeClr val="accent1">
-                <a:shade val="50000"/>
-              </a:schemeClr>
-            </a:lnRef>
-            <a:fillRef idx="1">
-              <a:schemeClr val="accent1"/>
-            </a:fillRef>
-            <a:effectRef idx="0">
-              <a:schemeClr val="accent1"/>
-            </a:effectRef>
-            <a:fontRef idx="minor">
-              <a:schemeClr val="lt1"/>
-            </a:fontRef>
-          </p:style>
-          <p:txBody>
-            <a:bodyPr rtlCol="0" anchor="ctr"/>
-            <a:lstStyle/>
-            <a:p>
-              <a:pPr algn="ctr"/>
-              <a:endParaRPr lang="en-US"/>
-            </a:p>
-          </p:txBody>
-        </p:sp>
-        <p:sp>
-          <p:nvSpPr>
-            <p:cNvPr id="12" name="TextBox 11"/>
-            <p:cNvSpPr txBox="1"/>
-            <p:nvPr/>
-          </p:nvSpPr>
-          <p:spPr>
-            <a:xfrm>
-              <a:off x="7995028" y="2323918"/>
-              <a:ext cx="1155316" cy="369332"/>
-            </a:xfrm>
-            <a:prstGeom prst="rect">
-              <a:avLst/>
-            </a:prstGeom>
-            <a:noFill/>
-          </p:spPr>
-          <p:txBody>
-            <a:bodyPr wrap="none" rtlCol="0">
-              <a:spAutoFit/>
-            </a:bodyPr>
-            <a:lstStyle/>
-            <a:p>
-              <a:r>
-                <a:rPr lang="en-US" dirty="0" smtClean="0"/>
-                <a:t>~120 pairs</a:t>
-              </a:r>
-              <a:endParaRPr lang="en-US" dirty="0"/>
-            </a:p>
-          </p:txBody>
-        </p:sp>
-      </p:grpSp>
-      <p:grpSp>
-        <p:nvGrpSpPr>
-          <p:cNvPr id="18" name="Group 17"/>
-          <p:cNvGrpSpPr/>
-          <p:nvPr/>
-        </p:nvGrpSpPr>
-        <p:grpSpPr>
-          <a:xfrm>
-            <a:off x="10302546" y="1937084"/>
-            <a:ext cx="1206866" cy="1143000"/>
-            <a:chOff x="10302546" y="1937084"/>
-            <a:chExt cx="1206866" cy="1143000"/>
-          </a:xfrm>
-        </p:grpSpPr>
-        <p:sp>
-          <p:nvSpPr>
-            <p:cNvPr id="9" name="Rectangle 8"/>
-            <p:cNvSpPr/>
-            <p:nvPr/>
-          </p:nvSpPr>
-          <p:spPr>
-            <a:xfrm>
-              <a:off x="10302546" y="1937084"/>
-              <a:ext cx="1143000" cy="1143000"/>
-            </a:xfrm>
-            <a:prstGeom prst="rect">
-              <a:avLst/>
-            </a:prstGeom>
-            <a:noFill/>
-            <a:ln w="28575">
-              <a:solidFill>
-                <a:schemeClr val="tx1"/>
-              </a:solidFill>
-            </a:ln>
-          </p:spPr>
-          <p:style>
-            <a:lnRef idx="2">
-              <a:schemeClr val="accent1">
-                <a:shade val="50000"/>
-              </a:schemeClr>
-            </a:lnRef>
-            <a:fillRef idx="1">
-              <a:schemeClr val="accent1"/>
-            </a:fillRef>
-            <a:effectRef idx="0">
-              <a:schemeClr val="accent1"/>
-            </a:effectRef>
-            <a:fontRef idx="minor">
-              <a:schemeClr val="lt1"/>
-            </a:fontRef>
-          </p:style>
-          <p:txBody>
-            <a:bodyPr rtlCol="0" anchor="ctr"/>
-            <a:lstStyle/>
-            <a:p>
-              <a:pPr algn="ctr"/>
-              <a:endParaRPr lang="en-US"/>
-            </a:p>
-          </p:txBody>
-        </p:sp>
-        <p:sp>
-          <p:nvSpPr>
-            <p:cNvPr id="13" name="TextBox 12"/>
-            <p:cNvSpPr txBox="1"/>
-            <p:nvPr/>
-          </p:nvSpPr>
-          <p:spPr>
-            <a:xfrm>
-              <a:off x="10354096" y="2323918"/>
-              <a:ext cx="1155316" cy="369332"/>
-            </a:xfrm>
-            <a:prstGeom prst="rect">
-              <a:avLst/>
-            </a:prstGeom>
-            <a:noFill/>
-          </p:spPr>
-          <p:txBody>
-            <a:bodyPr wrap="none" rtlCol="0">
-              <a:spAutoFit/>
-            </a:bodyPr>
-            <a:lstStyle/>
-            <a:p>
-              <a:r>
-                <a:rPr lang="en-US" dirty="0" smtClean="0"/>
-                <a:t>~120 pairs</a:t>
-              </a:r>
-              <a:endParaRPr lang="en-US" dirty="0"/>
-            </a:p>
-          </p:txBody>
-        </p:sp>
-      </p:grpSp>
       <p:cxnSp>
         <p:nvCxnSpPr>
-          <p:cNvPr id="17" name="Straight Arrow Connector 16"/>
+          <p:cNvPr id="65" name="Straight Arrow Connector 64"/>
           <p:cNvCxnSpPr>
-            <a:stCxn id="3" idx="3"/>
-            <a:endCxn id="6" idx="1"/>
+            <a:stCxn id="63" idx="3"/>
+            <a:endCxn id="71" idx="1"/>
           </p:cNvCxnSpPr>
           <p:nvPr/>
         </p:nvCxnSpPr>
         <p:spPr>
-          <a:xfrm>
-            <a:off x="2009274" y="2508584"/>
-            <a:ext cx="1216068" cy="0"/>
+          <a:xfrm flipV="1">
+            <a:off x="1714500" y="2508583"/>
+            <a:ext cx="939987" cy="1"/>
           </a:xfrm>
           <a:prstGeom prst="straightConnector1">
             <a:avLst/>
@@ -11489,27 +10948,22 @@
       </p:cxnSp>
       <p:cxnSp>
         <p:nvCxnSpPr>
-          <p:cNvPr id="19" name="Straight Arrow Connector 18"/>
-          <p:cNvCxnSpPr>
-            <a:stCxn id="6" idx="3"/>
-            <a:endCxn id="7" idx="1"/>
-          </p:cNvCxnSpPr>
+          <p:cNvPr id="66" name="Straight Connector 65"/>
+          <p:cNvCxnSpPr/>
           <p:nvPr/>
         </p:nvCxnSpPr>
         <p:spPr>
           <a:xfrm>
-            <a:off x="4368342" y="2508584"/>
-            <a:ext cx="1216068" cy="0"/>
-          </a:xfrm>
-          <a:prstGeom prst="straightConnector1">
+            <a:off x="866274" y="3080084"/>
+            <a:ext cx="0" cy="1317745"/>
+          </a:xfrm>
+          <a:prstGeom prst="line">
             <a:avLst/>
           </a:prstGeom>
           <a:ln w="28575">
             <a:solidFill>
               <a:schemeClr val="tx1"/>
             </a:solidFill>
-            <a:headEnd type="none" w="med" len="med"/>
-            <a:tailEnd type="arrow" w="med" len="med"/>
           </a:ln>
         </p:spPr>
         <p:style>
@@ -11529,27 +10983,22 @@
       </p:cxnSp>
       <p:cxnSp>
         <p:nvCxnSpPr>
-          <p:cNvPr id="22" name="Straight Arrow Connector 21"/>
-          <p:cNvCxnSpPr>
-            <a:stCxn id="7" idx="3"/>
-            <a:endCxn id="8" idx="1"/>
-          </p:cNvCxnSpPr>
+          <p:cNvPr id="67" name="Straight Connector 66"/>
+          <p:cNvCxnSpPr/>
           <p:nvPr/>
         </p:nvCxnSpPr>
         <p:spPr>
           <a:xfrm>
-            <a:off x="6727410" y="2508584"/>
-            <a:ext cx="1216068" cy="0"/>
-          </a:xfrm>
-          <a:prstGeom prst="straightConnector1">
+            <a:off x="11445546" y="3080084"/>
+            <a:ext cx="0" cy="1317745"/>
+          </a:xfrm>
+          <a:prstGeom prst="line">
             <a:avLst/>
           </a:prstGeom>
           <a:ln w="28575">
             <a:solidFill>
               <a:schemeClr val="tx1"/>
             </a:solidFill>
-            <a:headEnd type="none" w="med" len="med"/>
-            <a:tailEnd type="arrow" w="med" len="med"/>
           </a:ln>
         </p:spPr>
         <p:style>
@@ -11569,17 +11018,84 @@
       </p:cxnSp>
       <p:cxnSp>
         <p:nvCxnSpPr>
-          <p:cNvPr id="25" name="Straight Arrow Connector 24"/>
+          <p:cNvPr id="68" name="Straight Arrow Connector 67"/>
+          <p:cNvCxnSpPr/>
+          <p:nvPr/>
+        </p:nvCxnSpPr>
+        <p:spPr>
+          <a:xfrm>
+            <a:off x="866274" y="4027714"/>
+            <a:ext cx="10579272" cy="0"/>
+          </a:xfrm>
+          <a:prstGeom prst="straightConnector1">
+            <a:avLst/>
+          </a:prstGeom>
+          <a:ln w="28575">
+            <a:solidFill>
+              <a:schemeClr val="tx1"/>
+            </a:solidFill>
+            <a:headEnd type="arrow" w="med" len="med"/>
+            <a:tailEnd type="arrow" w="med" len="med"/>
+          </a:ln>
+        </p:spPr>
+        <p:style>
+          <a:lnRef idx="1">
+            <a:schemeClr val="accent1"/>
+          </a:lnRef>
+          <a:fillRef idx="0">
+            <a:schemeClr val="accent1"/>
+          </a:fillRef>
+          <a:effectRef idx="0">
+            <a:schemeClr val="accent1"/>
+          </a:effectRef>
+          <a:fontRef idx="minor">
+            <a:schemeClr val="tx1"/>
+          </a:fontRef>
+        </p:style>
+      </p:cxnSp>
+      <p:sp>
+        <p:nvSpPr>
+          <p:cNvPr id="69" name="TextBox 68"/>
+          <p:cNvSpPr txBox="1"/>
+          <p:nvPr/>
+        </p:nvSpPr>
+        <p:spPr>
+          <a:xfrm>
+            <a:off x="4894685" y="4028497"/>
+            <a:ext cx="2330061" cy="369332"/>
+          </a:xfrm>
+          <a:prstGeom prst="rect">
+            <a:avLst/>
+          </a:prstGeom>
+          <a:noFill/>
+        </p:spPr>
+        <p:txBody>
+          <a:bodyPr wrap="none" rtlCol="0">
+            <a:spAutoFit/>
+          </a:bodyPr>
+          <a:lstStyle/>
+          <a:p>
+            <a:r>
+              <a:rPr lang="en-US" dirty="0" smtClean="0"/>
+              <a:t>Experiment (10 blocks)</a:t>
+            </a:r>
+            <a:endParaRPr lang="en-US" dirty="0"/>
+          </a:p>
+        </p:txBody>
+      </p:sp>
+      <p:cxnSp>
+        <p:nvCxnSpPr>
+          <p:cNvPr id="73" name="Straight Arrow Connector 72"/>
           <p:cNvCxnSpPr>
-            <a:stCxn id="8" idx="3"/>
-            <a:endCxn id="9" idx="1"/>
+            <a:stCxn id="71" idx="3"/>
+            <a:endCxn id="75" idx="1"/>
           </p:cNvCxnSpPr>
           <p:nvPr/>
         </p:nvCxnSpPr>
         <p:spPr>
-          <a:xfrm>
-            <a:off x="9086478" y="2508584"/>
-            <a:ext cx="1216068" cy="0"/>
+          <a:xfrm flipV="1">
+            <a:off x="3502713" y="2508582"/>
+            <a:ext cx="955968" cy="1"/>
           </a:xfrm>
           <a:prstGeom prst="straightConnector1">
             <a:avLst/>
@@ -11609,22 +11125,28 @@
       </p:cxnSp>
       <p:cxnSp>
         <p:nvCxnSpPr>
-          <p:cNvPr id="32" name="Straight Connector 31"/>
-          <p:cNvCxnSpPr/>
+          <p:cNvPr id="77" name="Straight Arrow Connector 76"/>
+          <p:cNvCxnSpPr>
+            <a:stCxn id="75" idx="3"/>
+            <a:endCxn id="79" idx="1"/>
+          </p:cNvCxnSpPr>
           <p:nvPr/>
         </p:nvCxnSpPr>
         <p:spPr>
-          <a:xfrm>
-            <a:off x="866274" y="3080084"/>
-            <a:ext cx="0" cy="1317745"/>
-          </a:xfrm>
-          <a:prstGeom prst="line">
+          <a:xfrm flipV="1">
+            <a:off x="5306907" y="2508577"/>
+            <a:ext cx="5288065" cy="5"/>
+          </a:xfrm>
+          <a:prstGeom prst="straightConnector1">
             <a:avLst/>
           </a:prstGeom>
           <a:ln w="28575">
             <a:solidFill>
               <a:schemeClr val="tx1"/>
             </a:solidFill>
+            <a:prstDash val="dashDot"/>
+            <a:headEnd type="none" w="med" len="med"/>
+            <a:tailEnd type="arrow" w="med" len="med"/>
           </a:ln>
         </p:spPr>
         <p:style>
@@ -11642,108 +11164,590 @@
           </a:fontRef>
         </p:style>
       </p:cxnSp>
-      <p:cxnSp>
-        <p:nvCxnSpPr>
-          <p:cNvPr id="33" name="Straight Connector 32"/>
-          <p:cNvCxnSpPr/>
-          <p:nvPr/>
-        </p:nvCxnSpPr>
-        <p:spPr>
-          <a:xfrm>
-            <a:off x="11445546" y="3080084"/>
-            <a:ext cx="0" cy="1317745"/>
-          </a:xfrm>
-          <a:prstGeom prst="line">
-            <a:avLst/>
-          </a:prstGeom>
-          <a:ln w="28575">
-            <a:solidFill>
-              <a:schemeClr val="tx1"/>
-            </a:solidFill>
-          </a:ln>
-        </p:spPr>
-        <p:style>
-          <a:lnRef idx="1">
-            <a:schemeClr val="accent1"/>
-          </a:lnRef>
-          <a:fillRef idx="0">
-            <a:schemeClr val="accent1"/>
-          </a:fillRef>
-          <a:effectRef idx="0">
-            <a:schemeClr val="accent1"/>
-          </a:effectRef>
-          <a:fontRef idx="minor">
-            <a:schemeClr val="tx1"/>
-          </a:fontRef>
-        </p:style>
-      </p:cxnSp>
-      <p:cxnSp>
-        <p:nvCxnSpPr>
-          <p:cNvPr id="35" name="Straight Arrow Connector 34"/>
-          <p:cNvCxnSpPr/>
-          <p:nvPr/>
-        </p:nvCxnSpPr>
-        <p:spPr>
-          <a:xfrm>
-            <a:off x="866274" y="4027714"/>
-            <a:ext cx="10579272" cy="0"/>
-          </a:xfrm>
-          <a:prstGeom prst="straightConnector1">
-            <a:avLst/>
-          </a:prstGeom>
-          <a:ln w="28575">
-            <a:solidFill>
-              <a:schemeClr val="tx1"/>
-            </a:solidFill>
-            <a:headEnd type="arrow" w="med" len="med"/>
-            <a:tailEnd type="arrow" w="med" len="med"/>
-          </a:ln>
-        </p:spPr>
-        <p:style>
-          <a:lnRef idx="1">
-            <a:schemeClr val="accent1"/>
-          </a:lnRef>
-          <a:fillRef idx="0">
-            <a:schemeClr val="accent1"/>
-          </a:fillRef>
-          <a:effectRef idx="0">
-            <a:schemeClr val="accent1"/>
-          </a:effectRef>
-          <a:fontRef idx="minor">
-            <a:schemeClr val="tx1"/>
-          </a:fontRef>
-        </p:style>
-      </p:cxnSp>
-      <p:sp>
-        <p:nvSpPr>
-          <p:cNvPr id="36" name="TextBox 35"/>
-          <p:cNvSpPr txBox="1"/>
-          <p:nvPr/>
-        </p:nvSpPr>
-        <p:spPr>
-          <a:xfrm>
-            <a:off x="5290496" y="4011386"/>
-            <a:ext cx="1262974" cy="369332"/>
-          </a:xfrm>
-          <a:prstGeom prst="rect">
-            <a:avLst/>
-          </a:prstGeom>
-          <a:noFill/>
-        </p:spPr>
-        <p:txBody>
-          <a:bodyPr wrap="none" rtlCol="0">
-            <a:spAutoFit/>
-          </a:bodyPr>
-          <a:lstStyle/>
-          <a:p>
-            <a:r>
-              <a:rPr lang="en-US" dirty="0" smtClean="0"/>
-              <a:t>Experiment</a:t>
-            </a:r>
-            <a:endParaRPr lang="en-US" dirty="0"/>
-          </a:p>
-        </p:txBody>
-      </p:sp>
+      <p:grpSp>
+        <p:nvGrpSpPr>
+          <p:cNvPr id="24" name="Group 23"/>
+          <p:cNvGrpSpPr/>
+          <p:nvPr/>
+        </p:nvGrpSpPr>
+        <p:grpSpPr>
+          <a:xfrm>
+            <a:off x="866274" y="1567751"/>
+            <a:ext cx="920962" cy="1512333"/>
+            <a:chOff x="866274" y="1567751"/>
+            <a:chExt cx="920962" cy="1512333"/>
+          </a:xfrm>
+        </p:grpSpPr>
+        <p:grpSp>
+          <p:nvGrpSpPr>
+            <p:cNvPr id="62" name="Group 61"/>
+            <p:cNvGrpSpPr/>
+            <p:nvPr/>
+          </p:nvGrpSpPr>
+          <p:grpSpPr>
+            <a:xfrm>
+              <a:off x="866274" y="1937084"/>
+              <a:ext cx="920962" cy="1143000"/>
+              <a:chOff x="866274" y="1937084"/>
+              <a:chExt cx="1241013" cy="1143000"/>
+            </a:xfrm>
+          </p:grpSpPr>
+          <p:sp>
+            <p:nvSpPr>
+              <p:cNvPr id="63" name="Rectangle 62"/>
+              <p:cNvSpPr/>
+              <p:nvPr/>
+            </p:nvSpPr>
+            <p:spPr>
+              <a:xfrm>
+                <a:off x="866274" y="1937084"/>
+                <a:ext cx="1143000" cy="1143000"/>
+              </a:xfrm>
+              <a:prstGeom prst="rect">
+                <a:avLst/>
+              </a:prstGeom>
+              <a:noFill/>
+              <a:ln w="28575">
+                <a:solidFill>
+                  <a:schemeClr val="tx1"/>
+                </a:solidFill>
+              </a:ln>
+            </p:spPr>
+            <p:style>
+              <a:lnRef idx="2">
+                <a:schemeClr val="accent1">
+                  <a:shade val="50000"/>
+                </a:schemeClr>
+              </a:lnRef>
+              <a:fillRef idx="1">
+                <a:schemeClr val="accent1"/>
+              </a:fillRef>
+              <a:effectRef idx="0">
+                <a:schemeClr val="accent1"/>
+              </a:effectRef>
+              <a:fontRef idx="minor">
+                <a:schemeClr val="lt1"/>
+              </a:fontRef>
+            </p:style>
+            <p:txBody>
+              <a:bodyPr rtlCol="0" anchor="ctr"/>
+              <a:lstStyle/>
+              <a:p>
+                <a:pPr algn="ctr"/>
+                <a:endParaRPr lang="en-US"/>
+              </a:p>
+            </p:txBody>
+          </p:sp>
+          <p:sp>
+            <p:nvSpPr>
+              <p:cNvPr id="64" name="TextBox 63"/>
+              <p:cNvSpPr txBox="1"/>
+              <p:nvPr/>
+            </p:nvSpPr>
+            <p:spPr>
+              <a:xfrm>
+                <a:off x="998765" y="2185418"/>
+                <a:ext cx="1108522" cy="646331"/>
+              </a:xfrm>
+              <a:prstGeom prst="rect">
+                <a:avLst/>
+              </a:prstGeom>
+              <a:noFill/>
+            </p:spPr>
+            <p:txBody>
+              <a:bodyPr wrap="none" rtlCol="0">
+                <a:spAutoFit/>
+              </a:bodyPr>
+              <a:lstStyle/>
+              <a:p>
+                <a:r>
+                  <a:rPr lang="en-US" dirty="0" smtClean="0"/>
+                  <a:t>~</a:t>
+                </a:r>
+                <a:r>
+                  <a:rPr lang="en-US" dirty="0" smtClean="0"/>
+                  <a:t>60</a:t>
+                </a:r>
+              </a:p>
+              <a:p>
+                <a:r>
+                  <a:rPr lang="en-US" dirty="0" smtClean="0"/>
+                  <a:t>pairs</a:t>
+                </a:r>
+                <a:endParaRPr lang="en-US" dirty="0"/>
+              </a:p>
+            </p:txBody>
+          </p:sp>
+        </p:grpSp>
+        <p:sp>
+          <p:nvSpPr>
+            <p:cNvPr id="81" name="TextBox 80"/>
+            <p:cNvSpPr txBox="1"/>
+            <p:nvPr/>
+          </p:nvSpPr>
+          <p:spPr>
+            <a:xfrm>
+              <a:off x="866274" y="1567751"/>
+              <a:ext cx="856325" cy="369332"/>
+            </a:xfrm>
+            <a:prstGeom prst="rect">
+              <a:avLst/>
+            </a:prstGeom>
+            <a:noFill/>
+          </p:spPr>
+          <p:txBody>
+            <a:bodyPr wrap="none" rtlCol="0">
+              <a:spAutoFit/>
+            </a:bodyPr>
+            <a:lstStyle/>
+            <a:p>
+              <a:r>
+                <a:rPr lang="en-US" dirty="0" smtClean="0"/>
+                <a:t>Block 1</a:t>
+              </a:r>
+              <a:endParaRPr lang="en-US" dirty="0"/>
+            </a:p>
+          </p:txBody>
+        </p:sp>
+      </p:grpSp>
+      <p:grpSp>
+        <p:nvGrpSpPr>
+          <p:cNvPr id="26" name="Group 25"/>
+          <p:cNvGrpSpPr/>
+          <p:nvPr/>
+        </p:nvGrpSpPr>
+        <p:grpSpPr>
+          <a:xfrm>
+            <a:off x="2654487" y="1567751"/>
+            <a:ext cx="920962" cy="1512332"/>
+            <a:chOff x="2654487" y="1567751"/>
+            <a:chExt cx="920962" cy="1512332"/>
+          </a:xfrm>
+        </p:grpSpPr>
+        <p:grpSp>
+          <p:nvGrpSpPr>
+            <p:cNvPr id="70" name="Group 69"/>
+            <p:cNvGrpSpPr/>
+            <p:nvPr/>
+          </p:nvGrpSpPr>
+          <p:grpSpPr>
+            <a:xfrm>
+              <a:off x="2654487" y="1937083"/>
+              <a:ext cx="920962" cy="1143000"/>
+              <a:chOff x="866274" y="1937084"/>
+              <a:chExt cx="1241013" cy="1143000"/>
+            </a:xfrm>
+          </p:grpSpPr>
+          <p:sp>
+            <p:nvSpPr>
+              <p:cNvPr id="71" name="Rectangle 70"/>
+              <p:cNvSpPr/>
+              <p:nvPr/>
+            </p:nvSpPr>
+            <p:spPr>
+              <a:xfrm>
+                <a:off x="866274" y="1937084"/>
+                <a:ext cx="1143000" cy="1143000"/>
+              </a:xfrm>
+              <a:prstGeom prst="rect">
+                <a:avLst/>
+              </a:prstGeom>
+              <a:noFill/>
+              <a:ln w="28575">
+                <a:solidFill>
+                  <a:schemeClr val="tx1"/>
+                </a:solidFill>
+              </a:ln>
+            </p:spPr>
+            <p:style>
+              <a:lnRef idx="2">
+                <a:schemeClr val="accent1">
+                  <a:shade val="50000"/>
+                </a:schemeClr>
+              </a:lnRef>
+              <a:fillRef idx="1">
+                <a:schemeClr val="accent1"/>
+              </a:fillRef>
+              <a:effectRef idx="0">
+                <a:schemeClr val="accent1"/>
+              </a:effectRef>
+              <a:fontRef idx="minor">
+                <a:schemeClr val="lt1"/>
+              </a:fontRef>
+            </p:style>
+            <p:txBody>
+              <a:bodyPr rtlCol="0" anchor="ctr"/>
+              <a:lstStyle/>
+              <a:p>
+                <a:pPr algn="ctr"/>
+                <a:endParaRPr lang="en-US"/>
+              </a:p>
+            </p:txBody>
+          </p:sp>
+          <p:sp>
+            <p:nvSpPr>
+              <p:cNvPr id="72" name="TextBox 71"/>
+              <p:cNvSpPr txBox="1"/>
+              <p:nvPr/>
+            </p:nvSpPr>
+            <p:spPr>
+              <a:xfrm>
+                <a:off x="998765" y="2185418"/>
+                <a:ext cx="1108522" cy="646331"/>
+              </a:xfrm>
+              <a:prstGeom prst="rect">
+                <a:avLst/>
+              </a:prstGeom>
+              <a:noFill/>
+            </p:spPr>
+            <p:txBody>
+              <a:bodyPr wrap="none" rtlCol="0">
+                <a:spAutoFit/>
+              </a:bodyPr>
+              <a:lstStyle/>
+              <a:p>
+                <a:r>
+                  <a:rPr lang="en-US" dirty="0" smtClean="0"/>
+                  <a:t>~</a:t>
+                </a:r>
+                <a:r>
+                  <a:rPr lang="en-US" dirty="0" smtClean="0"/>
+                  <a:t>60</a:t>
+                </a:r>
+              </a:p>
+              <a:p>
+                <a:r>
+                  <a:rPr lang="en-US" dirty="0" smtClean="0"/>
+                  <a:t>pairs</a:t>
+                </a:r>
+                <a:endParaRPr lang="en-US" dirty="0"/>
+              </a:p>
+            </p:txBody>
+          </p:sp>
+        </p:grpSp>
+        <p:sp>
+          <p:nvSpPr>
+            <p:cNvPr id="82" name="TextBox 81"/>
+            <p:cNvSpPr txBox="1"/>
+            <p:nvPr/>
+          </p:nvSpPr>
+          <p:spPr>
+            <a:xfrm>
+              <a:off x="2682756" y="1567751"/>
+              <a:ext cx="856325" cy="369332"/>
+            </a:xfrm>
+            <a:prstGeom prst="rect">
+              <a:avLst/>
+            </a:prstGeom>
+            <a:noFill/>
+          </p:spPr>
+          <p:txBody>
+            <a:bodyPr wrap="none" rtlCol="0">
+              <a:spAutoFit/>
+            </a:bodyPr>
+            <a:lstStyle/>
+            <a:p>
+              <a:r>
+                <a:rPr lang="en-US" dirty="0" smtClean="0"/>
+                <a:t>Block 2</a:t>
+              </a:r>
+              <a:endParaRPr lang="en-US" dirty="0"/>
+            </a:p>
+          </p:txBody>
+        </p:sp>
+      </p:grpSp>
+      <p:grpSp>
+        <p:nvGrpSpPr>
+          <p:cNvPr id="87" name="Group 86"/>
+          <p:cNvGrpSpPr/>
+          <p:nvPr/>
+        </p:nvGrpSpPr>
+        <p:grpSpPr>
+          <a:xfrm>
+            <a:off x="4454631" y="1584079"/>
+            <a:ext cx="925012" cy="1496003"/>
+            <a:chOff x="4454631" y="1584079"/>
+            <a:chExt cx="925012" cy="1496003"/>
+          </a:xfrm>
+        </p:grpSpPr>
+        <p:grpSp>
+          <p:nvGrpSpPr>
+            <p:cNvPr id="74" name="Group 73"/>
+            <p:cNvGrpSpPr/>
+            <p:nvPr/>
+          </p:nvGrpSpPr>
+          <p:grpSpPr>
+            <a:xfrm>
+              <a:off x="4458681" y="1937082"/>
+              <a:ext cx="920962" cy="1143000"/>
+              <a:chOff x="866274" y="1937084"/>
+              <a:chExt cx="1241013" cy="1143000"/>
+            </a:xfrm>
+          </p:grpSpPr>
+          <p:sp>
+            <p:nvSpPr>
+              <p:cNvPr id="75" name="Rectangle 74"/>
+              <p:cNvSpPr/>
+              <p:nvPr/>
+            </p:nvSpPr>
+            <p:spPr>
+              <a:xfrm>
+                <a:off x="866274" y="1937084"/>
+                <a:ext cx="1143000" cy="1143000"/>
+              </a:xfrm>
+              <a:prstGeom prst="rect">
+                <a:avLst/>
+              </a:prstGeom>
+              <a:noFill/>
+              <a:ln w="28575">
+                <a:solidFill>
+                  <a:schemeClr val="tx1"/>
+                </a:solidFill>
+              </a:ln>
+            </p:spPr>
+            <p:style>
+              <a:lnRef idx="2">
+                <a:schemeClr val="accent1">
+                  <a:shade val="50000"/>
+                </a:schemeClr>
+              </a:lnRef>
+              <a:fillRef idx="1">
+                <a:schemeClr val="accent1"/>
+              </a:fillRef>
+              <a:effectRef idx="0">
+                <a:schemeClr val="accent1"/>
+              </a:effectRef>
+              <a:fontRef idx="minor">
+                <a:schemeClr val="lt1"/>
+              </a:fontRef>
+            </p:style>
+            <p:txBody>
+              <a:bodyPr rtlCol="0" anchor="ctr"/>
+              <a:lstStyle/>
+              <a:p>
+                <a:pPr algn="ctr"/>
+                <a:endParaRPr lang="en-US"/>
+              </a:p>
+            </p:txBody>
+          </p:sp>
+          <p:sp>
+            <p:nvSpPr>
+              <p:cNvPr id="76" name="TextBox 75"/>
+              <p:cNvSpPr txBox="1"/>
+              <p:nvPr/>
+            </p:nvSpPr>
+            <p:spPr>
+              <a:xfrm>
+                <a:off x="998765" y="2185418"/>
+                <a:ext cx="1108522" cy="646331"/>
+              </a:xfrm>
+              <a:prstGeom prst="rect">
+                <a:avLst/>
+              </a:prstGeom>
+              <a:noFill/>
+            </p:spPr>
+            <p:txBody>
+              <a:bodyPr wrap="none" rtlCol="0">
+                <a:spAutoFit/>
+              </a:bodyPr>
+              <a:lstStyle/>
+              <a:p>
+                <a:r>
+                  <a:rPr lang="en-US" dirty="0" smtClean="0"/>
+                  <a:t>~</a:t>
+                </a:r>
+                <a:r>
+                  <a:rPr lang="en-US" dirty="0" smtClean="0"/>
+                  <a:t>60</a:t>
+                </a:r>
+              </a:p>
+              <a:p>
+                <a:r>
+                  <a:rPr lang="en-US" dirty="0" smtClean="0"/>
+                  <a:t>pairs</a:t>
+                </a:r>
+                <a:endParaRPr lang="en-US" dirty="0"/>
+              </a:p>
+            </p:txBody>
+          </p:sp>
+        </p:grpSp>
+        <p:sp>
+          <p:nvSpPr>
+            <p:cNvPr id="83" name="TextBox 82"/>
+            <p:cNvSpPr txBox="1"/>
+            <p:nvPr/>
+          </p:nvSpPr>
+          <p:spPr>
+            <a:xfrm>
+              <a:off x="4454631" y="1584079"/>
+              <a:ext cx="856325" cy="369332"/>
+            </a:xfrm>
+            <a:prstGeom prst="rect">
+              <a:avLst/>
+            </a:prstGeom>
+            <a:noFill/>
+          </p:spPr>
+          <p:txBody>
+            <a:bodyPr wrap="none" rtlCol="0">
+              <a:spAutoFit/>
+            </a:bodyPr>
+            <a:lstStyle/>
+            <a:p>
+              <a:r>
+                <a:rPr lang="en-US" dirty="0" smtClean="0"/>
+                <a:t>Block 3</a:t>
+              </a:r>
+              <a:endParaRPr lang="en-US" dirty="0"/>
+            </a:p>
+          </p:txBody>
+        </p:sp>
+      </p:grpSp>
+      <p:grpSp>
+        <p:nvGrpSpPr>
+          <p:cNvPr id="88" name="Group 87"/>
+          <p:cNvGrpSpPr/>
+          <p:nvPr/>
+        </p:nvGrpSpPr>
+        <p:grpSpPr>
+          <a:xfrm>
+            <a:off x="10560895" y="1584074"/>
+            <a:ext cx="973343" cy="1496003"/>
+            <a:chOff x="10560895" y="1584074"/>
+            <a:chExt cx="973343" cy="1496003"/>
+          </a:xfrm>
+        </p:grpSpPr>
+        <p:grpSp>
+          <p:nvGrpSpPr>
+            <p:cNvPr id="78" name="Group 77"/>
+            <p:cNvGrpSpPr/>
+            <p:nvPr/>
+          </p:nvGrpSpPr>
+          <p:grpSpPr>
+            <a:xfrm>
+              <a:off x="10594972" y="1937077"/>
+              <a:ext cx="920962" cy="1143000"/>
+              <a:chOff x="866274" y="1937084"/>
+              <a:chExt cx="1241013" cy="1143000"/>
+            </a:xfrm>
+          </p:grpSpPr>
+          <p:sp>
+            <p:nvSpPr>
+              <p:cNvPr id="79" name="Rectangle 78"/>
+              <p:cNvSpPr/>
+              <p:nvPr/>
+            </p:nvSpPr>
+            <p:spPr>
+              <a:xfrm>
+                <a:off x="866274" y="1937084"/>
+                <a:ext cx="1143000" cy="1143000"/>
+              </a:xfrm>
+              <a:prstGeom prst="rect">
+                <a:avLst/>
+              </a:prstGeom>
+              <a:noFill/>
+              <a:ln w="28575">
+                <a:solidFill>
+                  <a:schemeClr val="tx1"/>
+                </a:solidFill>
+              </a:ln>
+            </p:spPr>
+            <p:style>
+              <a:lnRef idx="2">
+                <a:schemeClr val="accent1">
+                  <a:shade val="50000"/>
+                </a:schemeClr>
+              </a:lnRef>
+              <a:fillRef idx="1">
+                <a:schemeClr val="accent1"/>
+              </a:fillRef>
+              <a:effectRef idx="0">
+                <a:schemeClr val="accent1"/>
+              </a:effectRef>
+              <a:fontRef idx="minor">
+                <a:schemeClr val="lt1"/>
+              </a:fontRef>
+            </p:style>
+            <p:txBody>
+              <a:bodyPr rtlCol="0" anchor="ctr"/>
+              <a:lstStyle/>
+              <a:p>
+                <a:pPr algn="ctr"/>
+                <a:endParaRPr lang="en-US"/>
+              </a:p>
+            </p:txBody>
+          </p:sp>
+          <p:sp>
+            <p:nvSpPr>
+              <p:cNvPr id="80" name="TextBox 79"/>
+              <p:cNvSpPr txBox="1"/>
+              <p:nvPr/>
+            </p:nvSpPr>
+            <p:spPr>
+              <a:xfrm>
+                <a:off x="998765" y="2185418"/>
+                <a:ext cx="1108522" cy="646331"/>
+              </a:xfrm>
+              <a:prstGeom prst="rect">
+                <a:avLst/>
+              </a:prstGeom>
+              <a:noFill/>
+            </p:spPr>
+            <p:txBody>
+              <a:bodyPr wrap="none" rtlCol="0">
+                <a:spAutoFit/>
+              </a:bodyPr>
+              <a:lstStyle/>
+              <a:p>
+                <a:r>
+                  <a:rPr lang="en-US" dirty="0" smtClean="0"/>
+                  <a:t>~</a:t>
+                </a:r>
+                <a:r>
+                  <a:rPr lang="en-US" dirty="0" smtClean="0"/>
+                  <a:t>60</a:t>
+                </a:r>
+              </a:p>
+              <a:p>
+                <a:r>
+                  <a:rPr lang="en-US" dirty="0" smtClean="0"/>
+                  <a:t>pairs</a:t>
+                </a:r>
+                <a:endParaRPr lang="en-US" dirty="0"/>
+              </a:p>
+            </p:txBody>
+          </p:sp>
+        </p:grpSp>
+        <p:sp>
+          <p:nvSpPr>
+            <p:cNvPr id="84" name="TextBox 83"/>
+            <p:cNvSpPr txBox="1"/>
+            <p:nvPr/>
+          </p:nvSpPr>
+          <p:spPr>
+            <a:xfrm>
+              <a:off x="10560895" y="1584074"/>
+              <a:ext cx="973343" cy="369332"/>
+            </a:xfrm>
+            <a:prstGeom prst="rect">
+              <a:avLst/>
+            </a:prstGeom>
+            <a:noFill/>
+          </p:spPr>
+          <p:txBody>
+            <a:bodyPr wrap="none" rtlCol="0">
+              <a:spAutoFit/>
+            </a:bodyPr>
+            <a:lstStyle/>
+            <a:p>
+              <a:r>
+                <a:rPr lang="en-US" dirty="0" smtClean="0"/>
+                <a:t>Block 10</a:t>
+              </a:r>
+              <a:endParaRPr lang="en-US" dirty="0"/>
+            </a:p>
+          </p:txBody>
+        </p:sp>
+      </p:grpSp>
     </p:spTree>
     <p:extLst>
       <p:ext uri="{BB962C8B-B14F-4D97-AF65-F5344CB8AC3E}">
@@ -11791,7 +11795,7 @@
                                           </p:stCondLst>
                                         </p:cTn>
                                         <p:tgtEl>
-                                          <p:spTgt spid="17"/>
+                                          <p:spTgt spid="24"/>
                                         </p:tgtEl>
                                         <p:attrNameLst>
                                           <p:attrName>style.visibility</p:attrName>
@@ -11803,9 +11807,9 @@
                                     </p:set>
                                     <p:animEffect transition="in" filter="fade">
                                       <p:cBhvr>
-                                        <p:cTn id="7" dur="150"/>
+                                        <p:cTn id="7" dur="200"/>
                                         <p:tgtEl>
-                                          <p:spTgt spid="17"/>
+                                          <p:spTgt spid="24"/>
                                         </p:tgtEl>
                                       </p:cBhvr>
                                     </p:animEffect>
@@ -11818,7 +11822,7 @@
                         <p:par>
                           <p:cTn id="8" fill="hold">
                             <p:stCondLst>
-                              <p:cond delay="150"/>
+                              <p:cond delay="200"/>
                             </p:stCondLst>
                             <p:childTnLst>
                               <p:par>
@@ -11835,7 +11839,7 @@
                                           </p:stCondLst>
                                         </p:cTn>
                                         <p:tgtEl>
-                                          <p:spTgt spid="14"/>
+                                          <p:spTgt spid="65"/>
                                         </p:tgtEl>
                                         <p:attrNameLst>
                                           <p:attrName>style.visibility</p:attrName>
@@ -11849,7 +11853,7 @@
                                       <p:cBhvr>
                                         <p:cTn id="11" dur="150"/>
                                         <p:tgtEl>
-                                          <p:spTgt spid="14"/>
+                                          <p:spTgt spid="65"/>
                                         </p:tgtEl>
                                       </p:cBhvr>
                                     </p:animEffect>
@@ -11862,7 +11866,7 @@
                         <p:par>
                           <p:cTn id="12" fill="hold">
                             <p:stCondLst>
-                              <p:cond delay="300"/>
+                              <p:cond delay="350"/>
                             </p:stCondLst>
                             <p:childTnLst>
                               <p:par>
@@ -11879,7 +11883,7 @@
                                           </p:stCondLst>
                                         </p:cTn>
                                         <p:tgtEl>
-                                          <p:spTgt spid="19"/>
+                                          <p:spTgt spid="26"/>
                                         </p:tgtEl>
                                         <p:attrNameLst>
                                           <p:attrName>style.visibility</p:attrName>
@@ -11891,9 +11895,9 @@
                                     </p:set>
                                     <p:animEffect transition="in" filter="fade">
                                       <p:cBhvr>
-                                        <p:cTn id="15" dur="150"/>
+                                        <p:cTn id="15" dur="200"/>
                                         <p:tgtEl>
-                                          <p:spTgt spid="19"/>
+                                          <p:spTgt spid="26"/>
                                         </p:tgtEl>
                                       </p:cBhvr>
                                     </p:animEffect>
@@ -11906,7 +11910,7 @@
                         <p:par>
                           <p:cTn id="16" fill="hold">
                             <p:stCondLst>
-                              <p:cond delay="450"/>
+                              <p:cond delay="550"/>
                             </p:stCondLst>
                             <p:childTnLst>
                               <p:par>
@@ -11923,7 +11927,7 @@
                                           </p:stCondLst>
                                         </p:cTn>
                                         <p:tgtEl>
-                                          <p:spTgt spid="15"/>
+                                          <p:spTgt spid="73"/>
                                         </p:tgtEl>
                                         <p:attrNameLst>
                                           <p:attrName>style.visibility</p:attrName>
@@ -11937,7 +11941,7 @@
                                       <p:cBhvr>
                                         <p:cTn id="19" dur="150"/>
                                         <p:tgtEl>
-                                          <p:spTgt spid="15"/>
+                                          <p:spTgt spid="73"/>
                                         </p:tgtEl>
                                       </p:cBhvr>
                                     </p:animEffect>
@@ -11950,7 +11954,7 @@
                         <p:par>
                           <p:cTn id="20" fill="hold">
                             <p:stCondLst>
-                              <p:cond delay="600"/>
+                              <p:cond delay="700"/>
                             </p:stCondLst>
                             <p:childTnLst>
                               <p:par>
@@ -11967,7 +11971,7 @@
                                           </p:stCondLst>
                                         </p:cTn>
                                         <p:tgtEl>
-                                          <p:spTgt spid="22"/>
+                                          <p:spTgt spid="87"/>
                                         </p:tgtEl>
                                         <p:attrNameLst>
                                           <p:attrName>style.visibility</p:attrName>
@@ -11979,9 +11983,9 @@
                                     </p:set>
                                     <p:animEffect transition="in" filter="fade">
                                       <p:cBhvr>
-                                        <p:cTn id="23" dur="150"/>
+                                        <p:cTn id="23" dur="200"/>
                                         <p:tgtEl>
-                                          <p:spTgt spid="22"/>
+                                          <p:spTgt spid="87"/>
                                         </p:tgtEl>
                                       </p:cBhvr>
                                     </p:animEffect>
@@ -11994,7 +11998,7 @@
                         <p:par>
                           <p:cTn id="24" fill="hold">
                             <p:stCondLst>
-                              <p:cond delay="750"/>
+                              <p:cond delay="900"/>
                             </p:stCondLst>
                             <p:childTnLst>
                               <p:par>
@@ -12011,7 +12015,7 @@
                                           </p:stCondLst>
                                         </p:cTn>
                                         <p:tgtEl>
-                                          <p:spTgt spid="16"/>
+                                          <p:spTgt spid="77"/>
                                         </p:tgtEl>
                                         <p:attrNameLst>
                                           <p:attrName>style.visibility</p:attrName>
@@ -12023,9 +12027,9 @@
                                     </p:set>
                                     <p:animEffect transition="in" filter="fade">
                                       <p:cBhvr>
-                                        <p:cTn id="27" dur="150"/>
+                                        <p:cTn id="27" dur="300"/>
                                         <p:tgtEl>
-                                          <p:spTgt spid="16"/>
+                                          <p:spTgt spid="77"/>
                                         </p:tgtEl>
                                       </p:cBhvr>
                                     </p:animEffect>
@@ -12038,7 +12042,7 @@
                         <p:par>
                           <p:cTn id="28" fill="hold">
                             <p:stCondLst>
-                              <p:cond delay="900"/>
+                              <p:cond delay="1200"/>
                             </p:stCondLst>
                             <p:childTnLst>
                               <p:par>
@@ -12055,7 +12059,7 @@
                                           </p:stCondLst>
                                         </p:cTn>
                                         <p:tgtEl>
-                                          <p:spTgt spid="25"/>
+                                          <p:spTgt spid="88"/>
                                         </p:tgtEl>
                                         <p:attrNameLst>
                                           <p:attrName>style.visibility</p:attrName>
@@ -12067,53 +12071,9 @@
                                     </p:set>
                                     <p:animEffect transition="in" filter="fade">
                                       <p:cBhvr>
-                                        <p:cTn id="31" dur="150"/>
+                                        <p:cTn id="31" dur="200"/>
                                         <p:tgtEl>
-                                          <p:spTgt spid="25"/>
-                                        </p:tgtEl>
-                                      </p:cBhvr>
-                                    </p:animEffect>
-                                  </p:childTnLst>
-                                </p:cTn>
-                              </p:par>
-                            </p:childTnLst>
-                          </p:cTn>
-                        </p:par>
-                        <p:par>
-                          <p:cTn id="32" fill="hold">
-                            <p:stCondLst>
-                              <p:cond delay="1050"/>
-                            </p:stCondLst>
-                            <p:childTnLst>
-                              <p:par>
-                                <p:cTn id="33" presetID="10" presetClass="entr" presetSubtype="0" fill="hold" nodeType="afterEffect">
-                                  <p:stCondLst>
-                                    <p:cond delay="0"/>
-                                  </p:stCondLst>
-                                  <p:childTnLst>
-                                    <p:set>
-                                      <p:cBhvr>
-                                        <p:cTn id="34" dur="1" fill="hold">
-                                          <p:stCondLst>
-                                            <p:cond delay="0"/>
-                                          </p:stCondLst>
-                                        </p:cTn>
-                                        <p:tgtEl>
-                                          <p:spTgt spid="18"/>
-                                        </p:tgtEl>
-                                        <p:attrNameLst>
-                                          <p:attrName>style.visibility</p:attrName>
-                                        </p:attrNameLst>
-                                      </p:cBhvr>
-                                      <p:to>
-                                        <p:strVal val="visible"/>
-                                      </p:to>
-                                    </p:set>
-                                    <p:animEffect transition="in" filter="fade">
-                                      <p:cBhvr>
-                                        <p:cTn id="35" dur="150"/>
-                                        <p:tgtEl>
-                                          <p:spTgt spid="18"/>
+                                          <p:spTgt spid="88"/>
                                         </p:tgtEl>
                                       </p:cBhvr>
                                     </p:animEffect>
@@ -12176,8 +12136,8 @@
         </p:nvSpPr>
         <p:spPr>
           <a:xfrm>
-            <a:off x="3566295" y="5692580"/>
-            <a:ext cx="4956229" cy="461665"/>
+            <a:off x="642171" y="5692580"/>
+            <a:ext cx="10804496" cy="461665"/>
           </a:xfrm>
           <a:prstGeom prst="rect">
             <a:avLst/>
@@ -12193,405 +12153,130 @@
             <a:pPr algn="ctr"/>
             <a:r>
               <a:rPr lang="en-US" sz="2400" dirty="0" smtClean="0"/>
-              <a:t>You can take breaks in between blocks</a:t>
+              <a:t>You can take breaks in between </a:t>
+            </a:r>
+            <a:r>
+              <a:rPr lang="en-US" sz="2400" dirty="0" smtClean="0"/>
+              <a:t>blocks, they are self-paced, each one up to 3 minutes</a:t>
             </a:r>
             <a:endParaRPr lang="en-US" sz="2400" dirty="0"/>
           </a:p>
         </p:txBody>
       </p:sp>
-      <p:sp>
-        <p:nvSpPr>
-          <p:cNvPr id="3" name="Rectangle 2"/>
-          <p:cNvSpPr/>
-          <p:nvPr/>
-        </p:nvSpPr>
-        <p:spPr>
+      <p:grpSp>
+        <p:nvGrpSpPr>
+          <p:cNvPr id="26" name="Group 25"/>
+          <p:cNvGrpSpPr/>
+          <p:nvPr/>
+        </p:nvGrpSpPr>
+        <p:grpSpPr>
           <a:xfrm>
             <a:off x="866274" y="1937084"/>
-            <a:ext cx="1143000" cy="1143000"/>
-          </a:xfrm>
-          <a:prstGeom prst="rect">
-            <a:avLst/>
-          </a:prstGeom>
-          <a:noFill/>
-          <a:ln w="28575">
-            <a:solidFill>
-              <a:schemeClr val="tx1"/>
-            </a:solidFill>
-          </a:ln>
-        </p:spPr>
-        <p:style>
-          <a:lnRef idx="2">
-            <a:schemeClr val="accent1">
-              <a:shade val="50000"/>
-            </a:schemeClr>
-          </a:lnRef>
-          <a:fillRef idx="1">
-            <a:schemeClr val="accent1"/>
-          </a:fillRef>
-          <a:effectRef idx="0">
-            <a:schemeClr val="accent1"/>
-          </a:effectRef>
-          <a:fontRef idx="minor">
-            <a:schemeClr val="lt1"/>
-          </a:fontRef>
-        </p:style>
-        <p:txBody>
-          <a:bodyPr rtlCol="0" anchor="ctr"/>
-          <a:lstStyle/>
-          <a:p>
-            <a:pPr algn="ctr"/>
-            <a:endParaRPr lang="en-US"/>
-          </a:p>
-        </p:txBody>
-      </p:sp>
-      <p:sp>
-        <p:nvSpPr>
-          <p:cNvPr id="6" name="Rectangle 5"/>
-          <p:cNvSpPr/>
-          <p:nvPr/>
-        </p:nvSpPr>
-        <p:spPr>
-          <a:xfrm>
-            <a:off x="3225342" y="1937084"/>
-            <a:ext cx="1143000" cy="1143000"/>
-          </a:xfrm>
-          <a:prstGeom prst="rect">
-            <a:avLst/>
-          </a:prstGeom>
-          <a:noFill/>
-          <a:ln w="28575">
-            <a:solidFill>
-              <a:schemeClr val="tx1"/>
-            </a:solidFill>
-          </a:ln>
-        </p:spPr>
-        <p:style>
-          <a:lnRef idx="2">
-            <a:schemeClr val="accent1">
-              <a:shade val="50000"/>
-            </a:schemeClr>
-          </a:lnRef>
-          <a:fillRef idx="1">
-            <a:schemeClr val="accent1"/>
-          </a:fillRef>
-          <a:effectRef idx="0">
-            <a:schemeClr val="accent1"/>
-          </a:effectRef>
-          <a:fontRef idx="minor">
-            <a:schemeClr val="lt1"/>
-          </a:fontRef>
-        </p:style>
-        <p:txBody>
-          <a:bodyPr rtlCol="0" anchor="ctr"/>
-          <a:lstStyle/>
-          <a:p>
-            <a:pPr algn="ctr"/>
-            <a:endParaRPr lang="en-US"/>
-          </a:p>
-        </p:txBody>
-      </p:sp>
-      <p:sp>
-        <p:nvSpPr>
-          <p:cNvPr id="7" name="Rectangle 6"/>
-          <p:cNvSpPr/>
-          <p:nvPr/>
-        </p:nvSpPr>
-        <p:spPr>
-          <a:xfrm>
-            <a:off x="5584410" y="1937084"/>
-            <a:ext cx="1143000" cy="1143000"/>
-          </a:xfrm>
-          <a:prstGeom prst="rect">
-            <a:avLst/>
-          </a:prstGeom>
-          <a:noFill/>
-          <a:ln w="28575">
-            <a:solidFill>
-              <a:schemeClr val="tx1"/>
-            </a:solidFill>
-          </a:ln>
-        </p:spPr>
-        <p:style>
-          <a:lnRef idx="2">
-            <a:schemeClr val="accent1">
-              <a:shade val="50000"/>
-            </a:schemeClr>
-          </a:lnRef>
-          <a:fillRef idx="1">
-            <a:schemeClr val="accent1"/>
-          </a:fillRef>
-          <a:effectRef idx="0">
-            <a:schemeClr val="accent1"/>
-          </a:effectRef>
-          <a:fontRef idx="minor">
-            <a:schemeClr val="lt1"/>
-          </a:fontRef>
-        </p:style>
-        <p:txBody>
-          <a:bodyPr rtlCol="0" anchor="ctr"/>
-          <a:lstStyle/>
-          <a:p>
-            <a:pPr algn="ctr"/>
-            <a:endParaRPr lang="en-US"/>
-          </a:p>
-        </p:txBody>
-      </p:sp>
-      <p:sp>
-        <p:nvSpPr>
-          <p:cNvPr id="8" name="Rectangle 7"/>
-          <p:cNvSpPr/>
-          <p:nvPr/>
-        </p:nvSpPr>
-        <p:spPr>
-          <a:xfrm>
-            <a:off x="7943478" y="1937084"/>
-            <a:ext cx="1143000" cy="1143000"/>
-          </a:xfrm>
-          <a:prstGeom prst="rect">
-            <a:avLst/>
-          </a:prstGeom>
-          <a:noFill/>
-          <a:ln w="28575">
-            <a:solidFill>
-              <a:schemeClr val="tx1"/>
-            </a:solidFill>
-          </a:ln>
-        </p:spPr>
-        <p:style>
-          <a:lnRef idx="2">
-            <a:schemeClr val="accent1">
-              <a:shade val="50000"/>
-            </a:schemeClr>
-          </a:lnRef>
-          <a:fillRef idx="1">
-            <a:schemeClr val="accent1"/>
-          </a:fillRef>
-          <a:effectRef idx="0">
-            <a:schemeClr val="accent1"/>
-          </a:effectRef>
-          <a:fontRef idx="minor">
-            <a:schemeClr val="lt1"/>
-          </a:fontRef>
-        </p:style>
-        <p:txBody>
-          <a:bodyPr rtlCol="0" anchor="ctr"/>
-          <a:lstStyle/>
-          <a:p>
-            <a:pPr algn="ctr"/>
-            <a:endParaRPr lang="en-US"/>
-          </a:p>
-        </p:txBody>
-      </p:sp>
-      <p:sp>
-        <p:nvSpPr>
-          <p:cNvPr id="9" name="Rectangle 8"/>
-          <p:cNvSpPr/>
-          <p:nvPr/>
-        </p:nvSpPr>
-        <p:spPr>
-          <a:xfrm>
-            <a:off x="10302546" y="1937084"/>
-            <a:ext cx="1143000" cy="1143000"/>
-          </a:xfrm>
-          <a:prstGeom prst="rect">
-            <a:avLst/>
-          </a:prstGeom>
-          <a:noFill/>
-          <a:ln w="28575">
-            <a:solidFill>
-              <a:schemeClr val="tx1"/>
-            </a:solidFill>
-          </a:ln>
-        </p:spPr>
-        <p:style>
-          <a:lnRef idx="2">
-            <a:schemeClr val="accent1">
-              <a:shade val="50000"/>
-            </a:schemeClr>
-          </a:lnRef>
-          <a:fillRef idx="1">
-            <a:schemeClr val="accent1"/>
-          </a:fillRef>
-          <a:effectRef idx="0">
-            <a:schemeClr val="accent1"/>
-          </a:effectRef>
-          <a:fontRef idx="minor">
-            <a:schemeClr val="lt1"/>
-          </a:fontRef>
-        </p:style>
-        <p:txBody>
-          <a:bodyPr rtlCol="0" anchor="ctr"/>
-          <a:lstStyle/>
-          <a:p>
-            <a:pPr algn="ctr"/>
-            <a:endParaRPr lang="en-US"/>
-          </a:p>
-        </p:txBody>
-      </p:sp>
-      <p:sp>
-        <p:nvSpPr>
-          <p:cNvPr id="4" name="TextBox 3"/>
-          <p:cNvSpPr txBox="1"/>
-          <p:nvPr/>
-        </p:nvSpPr>
-        <p:spPr>
-          <a:xfrm>
-            <a:off x="917824" y="2323918"/>
-            <a:ext cx="1155316" cy="369332"/>
-          </a:xfrm>
-          <a:prstGeom prst="rect">
-            <a:avLst/>
-          </a:prstGeom>
-          <a:noFill/>
-        </p:spPr>
-        <p:txBody>
-          <a:bodyPr wrap="none" rtlCol="0">
-            <a:spAutoFit/>
-          </a:bodyPr>
-          <a:lstStyle/>
-          <a:p>
-            <a:r>
-              <a:rPr lang="en-US" dirty="0" smtClean="0"/>
-              <a:t>~120 pairs</a:t>
-            </a:r>
-            <a:endParaRPr lang="en-US" dirty="0"/>
-          </a:p>
-        </p:txBody>
-      </p:sp>
-      <p:sp>
-        <p:nvSpPr>
-          <p:cNvPr id="10" name="TextBox 9"/>
-          <p:cNvSpPr txBox="1"/>
-          <p:nvPr/>
-        </p:nvSpPr>
-        <p:spPr>
-          <a:xfrm>
-            <a:off x="3276892" y="2323918"/>
-            <a:ext cx="1155316" cy="369332"/>
-          </a:xfrm>
-          <a:prstGeom prst="rect">
-            <a:avLst/>
-          </a:prstGeom>
-          <a:noFill/>
-        </p:spPr>
-        <p:txBody>
-          <a:bodyPr wrap="none" rtlCol="0">
-            <a:spAutoFit/>
-          </a:bodyPr>
-          <a:lstStyle/>
-          <a:p>
-            <a:r>
-              <a:rPr lang="en-US" dirty="0" smtClean="0"/>
-              <a:t>~120 pairs</a:t>
-            </a:r>
-            <a:endParaRPr lang="en-US" dirty="0"/>
-          </a:p>
-        </p:txBody>
-      </p:sp>
-      <p:sp>
-        <p:nvSpPr>
-          <p:cNvPr id="11" name="TextBox 10"/>
-          <p:cNvSpPr txBox="1"/>
-          <p:nvPr/>
-        </p:nvSpPr>
-        <p:spPr>
-          <a:xfrm>
-            <a:off x="5635960" y="2323918"/>
-            <a:ext cx="1155316" cy="369332"/>
-          </a:xfrm>
-          <a:prstGeom prst="rect">
-            <a:avLst/>
-          </a:prstGeom>
-          <a:noFill/>
-        </p:spPr>
-        <p:txBody>
-          <a:bodyPr wrap="none" rtlCol="0">
-            <a:spAutoFit/>
-          </a:bodyPr>
-          <a:lstStyle/>
-          <a:p>
-            <a:r>
-              <a:rPr lang="en-US" dirty="0" smtClean="0"/>
-              <a:t>~120 pairs</a:t>
-            </a:r>
-            <a:endParaRPr lang="en-US" dirty="0"/>
-          </a:p>
-        </p:txBody>
-      </p:sp>
-      <p:sp>
-        <p:nvSpPr>
-          <p:cNvPr id="12" name="TextBox 11"/>
-          <p:cNvSpPr txBox="1"/>
-          <p:nvPr/>
-        </p:nvSpPr>
-        <p:spPr>
-          <a:xfrm>
-            <a:off x="7995028" y="2323918"/>
-            <a:ext cx="1155316" cy="369332"/>
-          </a:xfrm>
-          <a:prstGeom prst="rect">
-            <a:avLst/>
-          </a:prstGeom>
-          <a:noFill/>
-        </p:spPr>
-        <p:txBody>
-          <a:bodyPr wrap="none" rtlCol="0">
-            <a:spAutoFit/>
-          </a:bodyPr>
-          <a:lstStyle/>
-          <a:p>
-            <a:r>
-              <a:rPr lang="en-US" dirty="0" smtClean="0"/>
-              <a:t>~120 pairs</a:t>
-            </a:r>
-            <a:endParaRPr lang="en-US" dirty="0"/>
-          </a:p>
-        </p:txBody>
-      </p:sp>
-      <p:sp>
-        <p:nvSpPr>
-          <p:cNvPr id="13" name="TextBox 12"/>
-          <p:cNvSpPr txBox="1"/>
-          <p:nvPr/>
-        </p:nvSpPr>
-        <p:spPr>
-          <a:xfrm>
-            <a:off x="10354096" y="2323918"/>
-            <a:ext cx="1155316" cy="369332"/>
-          </a:xfrm>
-          <a:prstGeom prst="rect">
-            <a:avLst/>
-          </a:prstGeom>
-          <a:noFill/>
-        </p:spPr>
-        <p:txBody>
-          <a:bodyPr wrap="none" rtlCol="0">
-            <a:spAutoFit/>
-          </a:bodyPr>
-          <a:lstStyle/>
-          <a:p>
-            <a:r>
-              <a:rPr lang="en-US" dirty="0" smtClean="0"/>
-              <a:t>~120 pairs</a:t>
-            </a:r>
-            <a:endParaRPr lang="en-US" dirty="0"/>
-          </a:p>
-        </p:txBody>
-      </p:sp>
+            <a:ext cx="920962" cy="1143000"/>
+            <a:chOff x="866274" y="1937084"/>
+            <a:chExt cx="1241013" cy="1143000"/>
+          </a:xfrm>
+        </p:grpSpPr>
+        <p:sp>
+          <p:nvSpPr>
+            <p:cNvPr id="27" name="Rectangle 26"/>
+            <p:cNvSpPr/>
+            <p:nvPr/>
+          </p:nvSpPr>
+          <p:spPr>
+            <a:xfrm>
+              <a:off x="866274" y="1937084"/>
+              <a:ext cx="1143000" cy="1143000"/>
+            </a:xfrm>
+            <a:prstGeom prst="rect">
+              <a:avLst/>
+            </a:prstGeom>
+            <a:noFill/>
+            <a:ln w="28575">
+              <a:solidFill>
+                <a:schemeClr val="tx1"/>
+              </a:solidFill>
+            </a:ln>
+          </p:spPr>
+          <p:style>
+            <a:lnRef idx="2">
+              <a:schemeClr val="accent1">
+                <a:shade val="50000"/>
+              </a:schemeClr>
+            </a:lnRef>
+            <a:fillRef idx="1">
+              <a:schemeClr val="accent1"/>
+            </a:fillRef>
+            <a:effectRef idx="0">
+              <a:schemeClr val="accent1"/>
+            </a:effectRef>
+            <a:fontRef idx="minor">
+              <a:schemeClr val="lt1"/>
+            </a:fontRef>
+          </p:style>
+          <p:txBody>
+            <a:bodyPr rtlCol="0" anchor="ctr"/>
+            <a:lstStyle/>
+            <a:p>
+              <a:pPr algn="ctr"/>
+              <a:endParaRPr lang="en-US"/>
+            </a:p>
+          </p:txBody>
+        </p:sp>
+        <p:sp>
+          <p:nvSpPr>
+            <p:cNvPr id="28" name="TextBox 27"/>
+            <p:cNvSpPr txBox="1"/>
+            <p:nvPr/>
+          </p:nvSpPr>
+          <p:spPr>
+            <a:xfrm>
+              <a:off x="998765" y="2185418"/>
+              <a:ext cx="1108522" cy="646331"/>
+            </a:xfrm>
+            <a:prstGeom prst="rect">
+              <a:avLst/>
+            </a:prstGeom>
+            <a:noFill/>
+          </p:spPr>
+          <p:txBody>
+            <a:bodyPr wrap="none" rtlCol="0">
+              <a:spAutoFit/>
+            </a:bodyPr>
+            <a:lstStyle/>
+            <a:p>
+              <a:r>
+                <a:rPr lang="en-US" dirty="0" smtClean="0"/>
+                <a:t>~</a:t>
+              </a:r>
+              <a:r>
+                <a:rPr lang="en-US" dirty="0" smtClean="0"/>
+                <a:t>60</a:t>
+              </a:r>
+            </a:p>
+            <a:p>
+              <a:r>
+                <a:rPr lang="en-US" dirty="0" smtClean="0"/>
+                <a:t>pairs</a:t>
+              </a:r>
+              <a:endParaRPr lang="en-US" dirty="0"/>
+            </a:p>
+          </p:txBody>
+        </p:sp>
+      </p:grpSp>
       <p:cxnSp>
         <p:nvCxnSpPr>
-          <p:cNvPr id="17" name="Straight Arrow Connector 16"/>
+          <p:cNvPr id="29" name="Straight Arrow Connector 28"/>
           <p:cNvCxnSpPr>
-            <a:stCxn id="3" idx="3"/>
-            <a:endCxn id="6" idx="1"/>
+            <a:stCxn id="27" idx="3"/>
+            <a:endCxn id="39" idx="1"/>
           </p:cNvCxnSpPr>
           <p:nvPr/>
         </p:nvCxnSpPr>
         <p:spPr>
-          <a:xfrm>
-            <a:off x="2009274" y="2508584"/>
-            <a:ext cx="1216068" cy="0"/>
+          <a:xfrm flipV="1">
+            <a:off x="1714500" y="2508583"/>
+            <a:ext cx="939987" cy="1"/>
           </a:xfrm>
           <a:prstGeom prst="straightConnector1">
             <a:avLst/>
@@ -12621,27 +12306,22 @@
       </p:cxnSp>
       <p:cxnSp>
         <p:nvCxnSpPr>
-          <p:cNvPr id="19" name="Straight Arrow Connector 18"/>
-          <p:cNvCxnSpPr>
-            <a:stCxn id="6" idx="3"/>
-            <a:endCxn id="7" idx="1"/>
-          </p:cNvCxnSpPr>
+          <p:cNvPr id="30" name="Straight Connector 29"/>
+          <p:cNvCxnSpPr/>
           <p:nvPr/>
         </p:nvCxnSpPr>
         <p:spPr>
           <a:xfrm>
-            <a:off x="4368342" y="2508584"/>
-            <a:ext cx="1216068" cy="0"/>
-          </a:xfrm>
-          <a:prstGeom prst="straightConnector1">
+            <a:off x="866274" y="3080084"/>
+            <a:ext cx="0" cy="1317745"/>
+          </a:xfrm>
+          <a:prstGeom prst="line">
             <a:avLst/>
           </a:prstGeom>
           <a:ln w="28575">
             <a:solidFill>
               <a:schemeClr val="tx1"/>
             </a:solidFill>
-            <a:headEnd type="none" w="med" len="med"/>
-            <a:tailEnd type="arrow" w="med" len="med"/>
           </a:ln>
         </p:spPr>
         <p:style>
@@ -12661,27 +12341,22 @@
       </p:cxnSp>
       <p:cxnSp>
         <p:nvCxnSpPr>
-          <p:cNvPr id="22" name="Straight Arrow Connector 21"/>
-          <p:cNvCxnSpPr>
-            <a:stCxn id="7" idx="3"/>
-            <a:endCxn id="8" idx="1"/>
-          </p:cNvCxnSpPr>
+          <p:cNvPr id="31" name="Straight Connector 30"/>
+          <p:cNvCxnSpPr/>
           <p:nvPr/>
         </p:nvCxnSpPr>
         <p:spPr>
           <a:xfrm>
-            <a:off x="6727410" y="2508584"/>
-            <a:ext cx="1216068" cy="0"/>
-          </a:xfrm>
-          <a:prstGeom prst="straightConnector1">
+            <a:off x="11445546" y="3080084"/>
+            <a:ext cx="0" cy="1317745"/>
+          </a:xfrm>
+          <a:prstGeom prst="line">
             <a:avLst/>
           </a:prstGeom>
           <a:ln w="28575">
             <a:solidFill>
               <a:schemeClr val="tx1"/>
             </a:solidFill>
-            <a:headEnd type="none" w="med" len="med"/>
-            <a:tailEnd type="arrow" w="med" len="med"/>
           </a:ln>
         </p:spPr>
         <p:style>
@@ -12701,17 +12376,14 @@
       </p:cxnSp>
       <p:cxnSp>
         <p:nvCxnSpPr>
-          <p:cNvPr id="25" name="Straight Arrow Connector 24"/>
-          <p:cNvCxnSpPr>
-            <a:stCxn id="8" idx="3"/>
-            <a:endCxn id="9" idx="1"/>
-          </p:cNvCxnSpPr>
+          <p:cNvPr id="34" name="Straight Arrow Connector 33"/>
+          <p:cNvCxnSpPr/>
           <p:nvPr/>
         </p:nvCxnSpPr>
         <p:spPr>
           <a:xfrm>
-            <a:off x="9086478" y="2508584"/>
-            <a:ext cx="1216068" cy="0"/>
+            <a:off x="866274" y="4027714"/>
+            <a:ext cx="10579272" cy="0"/>
           </a:xfrm>
           <a:prstGeom prst="straightConnector1">
             <a:avLst/>
@@ -12720,7 +12392,7 @@
             <a:solidFill>
               <a:schemeClr val="tx1"/>
             </a:solidFill>
-            <a:headEnd type="none" w="med" len="med"/>
+            <a:headEnd type="arrow" w="med" len="med"/>
             <a:tailEnd type="arrow" w="med" len="med"/>
           </a:ln>
         </p:spPr>
@@ -12739,24 +12411,160 @@
           </a:fontRef>
         </p:style>
       </p:cxnSp>
+      <p:sp>
+        <p:nvSpPr>
+          <p:cNvPr id="37" name="TextBox 36"/>
+          <p:cNvSpPr txBox="1"/>
+          <p:nvPr/>
+        </p:nvSpPr>
+        <p:spPr>
+          <a:xfrm>
+            <a:off x="4894685" y="4028497"/>
+            <a:ext cx="2330061" cy="369332"/>
+          </a:xfrm>
+          <a:prstGeom prst="rect">
+            <a:avLst/>
+          </a:prstGeom>
+          <a:noFill/>
+        </p:spPr>
+        <p:txBody>
+          <a:bodyPr wrap="none" rtlCol="0">
+            <a:spAutoFit/>
+          </a:bodyPr>
+          <a:lstStyle/>
+          <a:p>
+            <a:r>
+              <a:rPr lang="en-US" dirty="0" smtClean="0"/>
+              <a:t>Experiment (10 blocks)</a:t>
+            </a:r>
+            <a:endParaRPr lang="en-US" dirty="0"/>
+          </a:p>
+        </p:txBody>
+      </p:sp>
+      <p:grpSp>
+        <p:nvGrpSpPr>
+          <p:cNvPr id="38" name="Group 37"/>
+          <p:cNvGrpSpPr/>
+          <p:nvPr/>
+        </p:nvGrpSpPr>
+        <p:grpSpPr>
+          <a:xfrm>
+            <a:off x="2654487" y="1937083"/>
+            <a:ext cx="920962" cy="1143000"/>
+            <a:chOff x="866274" y="1937084"/>
+            <a:chExt cx="1241013" cy="1143000"/>
+          </a:xfrm>
+        </p:grpSpPr>
+        <p:sp>
+          <p:nvSpPr>
+            <p:cNvPr id="39" name="Rectangle 38"/>
+            <p:cNvSpPr/>
+            <p:nvPr/>
+          </p:nvSpPr>
+          <p:spPr>
+            <a:xfrm>
+              <a:off x="866274" y="1937084"/>
+              <a:ext cx="1143000" cy="1143000"/>
+            </a:xfrm>
+            <a:prstGeom prst="rect">
+              <a:avLst/>
+            </a:prstGeom>
+            <a:noFill/>
+            <a:ln w="28575">
+              <a:solidFill>
+                <a:schemeClr val="tx1"/>
+              </a:solidFill>
+            </a:ln>
+          </p:spPr>
+          <p:style>
+            <a:lnRef idx="2">
+              <a:schemeClr val="accent1">
+                <a:shade val="50000"/>
+              </a:schemeClr>
+            </a:lnRef>
+            <a:fillRef idx="1">
+              <a:schemeClr val="accent1"/>
+            </a:fillRef>
+            <a:effectRef idx="0">
+              <a:schemeClr val="accent1"/>
+            </a:effectRef>
+            <a:fontRef idx="minor">
+              <a:schemeClr val="lt1"/>
+            </a:fontRef>
+          </p:style>
+          <p:txBody>
+            <a:bodyPr rtlCol="0" anchor="ctr"/>
+            <a:lstStyle/>
+            <a:p>
+              <a:pPr algn="ctr"/>
+              <a:endParaRPr lang="en-US"/>
+            </a:p>
+          </p:txBody>
+        </p:sp>
+        <p:sp>
+          <p:nvSpPr>
+            <p:cNvPr id="40" name="TextBox 39"/>
+            <p:cNvSpPr txBox="1"/>
+            <p:nvPr/>
+          </p:nvSpPr>
+          <p:spPr>
+            <a:xfrm>
+              <a:off x="998765" y="2185418"/>
+              <a:ext cx="1108522" cy="646331"/>
+            </a:xfrm>
+            <a:prstGeom prst="rect">
+              <a:avLst/>
+            </a:prstGeom>
+            <a:noFill/>
+          </p:spPr>
+          <p:txBody>
+            <a:bodyPr wrap="none" rtlCol="0">
+              <a:spAutoFit/>
+            </a:bodyPr>
+            <a:lstStyle/>
+            <a:p>
+              <a:r>
+                <a:rPr lang="en-US" dirty="0" smtClean="0"/>
+                <a:t>~</a:t>
+              </a:r>
+              <a:r>
+                <a:rPr lang="en-US" dirty="0" smtClean="0"/>
+                <a:t>60</a:t>
+              </a:r>
+            </a:p>
+            <a:p>
+              <a:r>
+                <a:rPr lang="en-US" dirty="0" smtClean="0"/>
+                <a:t>pairs</a:t>
+              </a:r>
+              <a:endParaRPr lang="en-US" dirty="0"/>
+            </a:p>
+          </p:txBody>
+        </p:sp>
+      </p:grpSp>
       <p:cxnSp>
         <p:nvCxnSpPr>
-          <p:cNvPr id="32" name="Straight Connector 31"/>
-          <p:cNvCxnSpPr/>
+          <p:cNvPr id="45" name="Straight Arrow Connector 44"/>
+          <p:cNvCxnSpPr>
+            <a:stCxn id="39" idx="3"/>
+            <a:endCxn id="47" idx="1"/>
+          </p:cNvCxnSpPr>
           <p:nvPr/>
         </p:nvCxnSpPr>
         <p:spPr>
-          <a:xfrm>
-            <a:off x="866274" y="3080084"/>
-            <a:ext cx="0" cy="1317745"/>
-          </a:xfrm>
-          <a:prstGeom prst="line">
+          <a:xfrm flipV="1">
+            <a:off x="3502713" y="2508582"/>
+            <a:ext cx="955968" cy="1"/>
+          </a:xfrm>
+          <a:prstGeom prst="straightConnector1">
             <a:avLst/>
           </a:prstGeom>
           <a:ln w="28575">
             <a:solidFill>
               <a:schemeClr val="tx1"/>
             </a:solidFill>
+            <a:headEnd type="none" w="med" len="med"/>
+            <a:tailEnd type="arrow" w="med" len="med"/>
           </a:ln>
         </p:spPr>
         <p:style>
@@ -12774,24 +12582,131 @@
           </a:fontRef>
         </p:style>
       </p:cxnSp>
+      <p:grpSp>
+        <p:nvGrpSpPr>
+          <p:cNvPr id="46" name="Group 45"/>
+          <p:cNvGrpSpPr/>
+          <p:nvPr/>
+        </p:nvGrpSpPr>
+        <p:grpSpPr>
+          <a:xfrm>
+            <a:off x="4458681" y="1937082"/>
+            <a:ext cx="920962" cy="1143000"/>
+            <a:chOff x="866274" y="1937084"/>
+            <a:chExt cx="1241013" cy="1143000"/>
+          </a:xfrm>
+        </p:grpSpPr>
+        <p:sp>
+          <p:nvSpPr>
+            <p:cNvPr id="47" name="Rectangle 46"/>
+            <p:cNvSpPr/>
+            <p:nvPr/>
+          </p:nvSpPr>
+          <p:spPr>
+            <a:xfrm>
+              <a:off x="866274" y="1937084"/>
+              <a:ext cx="1143000" cy="1143000"/>
+            </a:xfrm>
+            <a:prstGeom prst="rect">
+              <a:avLst/>
+            </a:prstGeom>
+            <a:noFill/>
+            <a:ln w="28575">
+              <a:solidFill>
+                <a:schemeClr val="tx1"/>
+              </a:solidFill>
+            </a:ln>
+          </p:spPr>
+          <p:style>
+            <a:lnRef idx="2">
+              <a:schemeClr val="accent1">
+                <a:shade val="50000"/>
+              </a:schemeClr>
+            </a:lnRef>
+            <a:fillRef idx="1">
+              <a:schemeClr val="accent1"/>
+            </a:fillRef>
+            <a:effectRef idx="0">
+              <a:schemeClr val="accent1"/>
+            </a:effectRef>
+            <a:fontRef idx="minor">
+              <a:schemeClr val="lt1"/>
+            </a:fontRef>
+          </p:style>
+          <p:txBody>
+            <a:bodyPr rtlCol="0" anchor="ctr"/>
+            <a:lstStyle/>
+            <a:p>
+              <a:pPr algn="ctr"/>
+              <a:endParaRPr lang="en-US"/>
+            </a:p>
+          </p:txBody>
+        </p:sp>
+        <p:sp>
+          <p:nvSpPr>
+            <p:cNvPr id="48" name="TextBox 47"/>
+            <p:cNvSpPr txBox="1"/>
+            <p:nvPr/>
+          </p:nvSpPr>
+          <p:spPr>
+            <a:xfrm>
+              <a:off x="998765" y="2185418"/>
+              <a:ext cx="1108522" cy="646331"/>
+            </a:xfrm>
+            <a:prstGeom prst="rect">
+              <a:avLst/>
+            </a:prstGeom>
+            <a:noFill/>
+          </p:spPr>
+          <p:txBody>
+            <a:bodyPr wrap="none" rtlCol="0">
+              <a:spAutoFit/>
+            </a:bodyPr>
+            <a:lstStyle/>
+            <a:p>
+              <a:r>
+                <a:rPr lang="en-US" dirty="0" smtClean="0"/>
+                <a:t>~</a:t>
+              </a:r>
+              <a:r>
+                <a:rPr lang="en-US" dirty="0" smtClean="0"/>
+                <a:t>60</a:t>
+              </a:r>
+            </a:p>
+            <a:p>
+              <a:r>
+                <a:rPr lang="en-US" dirty="0" smtClean="0"/>
+                <a:t>pairs</a:t>
+              </a:r>
+              <a:endParaRPr lang="en-US" dirty="0"/>
+            </a:p>
+          </p:txBody>
+        </p:sp>
+      </p:grpSp>
       <p:cxnSp>
         <p:nvCxnSpPr>
-          <p:cNvPr id="33" name="Straight Connector 32"/>
-          <p:cNvCxnSpPr/>
+          <p:cNvPr id="49" name="Straight Arrow Connector 48"/>
+          <p:cNvCxnSpPr>
+            <a:stCxn id="47" idx="3"/>
+            <a:endCxn id="51" idx="1"/>
+          </p:cNvCxnSpPr>
           <p:nvPr/>
         </p:nvCxnSpPr>
         <p:spPr>
-          <a:xfrm>
-            <a:off x="11445546" y="3080084"/>
-            <a:ext cx="0" cy="1317745"/>
-          </a:xfrm>
-          <a:prstGeom prst="line">
+          <a:xfrm flipV="1">
+            <a:off x="5306907" y="2508577"/>
+            <a:ext cx="5288065" cy="5"/>
+          </a:xfrm>
+          <a:prstGeom prst="straightConnector1">
             <a:avLst/>
           </a:prstGeom>
           <a:ln w="28575">
             <a:solidFill>
               <a:schemeClr val="tx1"/>
             </a:solidFill>
+            <a:prstDash val="dashDot"/>
+            <a:headEnd type="none" w="med" len="med"/>
+            <a:tailEnd type="arrow" w="med" len="med"/>
           </a:ln>
         </p:spPr>
         <p:style>
@@ -12809,53 +12724,117 @@
           </a:fontRef>
         </p:style>
       </p:cxnSp>
-      <p:cxnSp>
-        <p:nvCxnSpPr>
-          <p:cNvPr id="35" name="Straight Arrow Connector 34"/>
-          <p:cNvCxnSpPr/>
-          <p:nvPr/>
-        </p:nvCxnSpPr>
-        <p:spPr>
-          <a:xfrm>
-            <a:off x="866274" y="4027714"/>
-            <a:ext cx="10579272" cy="0"/>
-          </a:xfrm>
-          <a:prstGeom prst="straightConnector1">
-            <a:avLst/>
-          </a:prstGeom>
-          <a:ln w="28575">
-            <a:solidFill>
-              <a:schemeClr val="tx1"/>
-            </a:solidFill>
-            <a:headEnd type="arrow" w="med" len="med"/>
-            <a:tailEnd type="arrow" w="med" len="med"/>
-          </a:ln>
-        </p:spPr>
-        <p:style>
-          <a:lnRef idx="1">
-            <a:schemeClr val="accent1"/>
-          </a:lnRef>
-          <a:fillRef idx="0">
-            <a:schemeClr val="accent1"/>
-          </a:fillRef>
-          <a:effectRef idx="0">
-            <a:schemeClr val="accent1"/>
-          </a:effectRef>
-          <a:fontRef idx="minor">
-            <a:schemeClr val="tx1"/>
-          </a:fontRef>
-        </p:style>
-      </p:cxnSp>
-      <p:sp>
-        <p:nvSpPr>
-          <p:cNvPr id="36" name="TextBox 35"/>
+      <p:grpSp>
+        <p:nvGrpSpPr>
+          <p:cNvPr id="50" name="Group 49"/>
+          <p:cNvGrpSpPr/>
+          <p:nvPr/>
+        </p:nvGrpSpPr>
+        <p:grpSpPr>
+          <a:xfrm>
+            <a:off x="10594972" y="1937077"/>
+            <a:ext cx="920962" cy="1143000"/>
+            <a:chOff x="866274" y="1937084"/>
+            <a:chExt cx="1241013" cy="1143000"/>
+          </a:xfrm>
+        </p:grpSpPr>
+        <p:sp>
+          <p:nvSpPr>
+            <p:cNvPr id="51" name="Rectangle 50"/>
+            <p:cNvSpPr/>
+            <p:nvPr/>
+          </p:nvSpPr>
+          <p:spPr>
+            <a:xfrm>
+              <a:off x="866274" y="1937084"/>
+              <a:ext cx="1143000" cy="1143000"/>
+            </a:xfrm>
+            <a:prstGeom prst="rect">
+              <a:avLst/>
+            </a:prstGeom>
+            <a:noFill/>
+            <a:ln w="28575">
+              <a:solidFill>
+                <a:schemeClr val="tx1"/>
+              </a:solidFill>
+            </a:ln>
+          </p:spPr>
+          <p:style>
+            <a:lnRef idx="2">
+              <a:schemeClr val="accent1">
+                <a:shade val="50000"/>
+              </a:schemeClr>
+            </a:lnRef>
+            <a:fillRef idx="1">
+              <a:schemeClr val="accent1"/>
+            </a:fillRef>
+            <a:effectRef idx="0">
+              <a:schemeClr val="accent1"/>
+            </a:effectRef>
+            <a:fontRef idx="minor">
+              <a:schemeClr val="lt1"/>
+            </a:fontRef>
+          </p:style>
+          <p:txBody>
+            <a:bodyPr rtlCol="0" anchor="ctr"/>
+            <a:lstStyle/>
+            <a:p>
+              <a:pPr algn="ctr"/>
+              <a:endParaRPr lang="en-US"/>
+            </a:p>
+          </p:txBody>
+        </p:sp>
+        <p:sp>
+          <p:nvSpPr>
+            <p:cNvPr id="52" name="TextBox 51"/>
+            <p:cNvSpPr txBox="1"/>
+            <p:nvPr/>
+          </p:nvSpPr>
+          <p:spPr>
+            <a:xfrm>
+              <a:off x="998765" y="2185418"/>
+              <a:ext cx="1108522" cy="646331"/>
+            </a:xfrm>
+            <a:prstGeom prst="rect">
+              <a:avLst/>
+            </a:prstGeom>
+            <a:noFill/>
+          </p:spPr>
+          <p:txBody>
+            <a:bodyPr wrap="none" rtlCol="0">
+              <a:spAutoFit/>
+            </a:bodyPr>
+            <a:lstStyle/>
+            <a:p>
+              <a:r>
+                <a:rPr lang="en-US" dirty="0" smtClean="0"/>
+                <a:t>~</a:t>
+              </a:r>
+              <a:r>
+                <a:rPr lang="en-US" dirty="0" smtClean="0"/>
+                <a:t>60</a:t>
+              </a:r>
+            </a:p>
+            <a:p>
+              <a:r>
+                <a:rPr lang="en-US" dirty="0" smtClean="0"/>
+                <a:t>pairs</a:t>
+              </a:r>
+              <a:endParaRPr lang="en-US" dirty="0"/>
+            </a:p>
+          </p:txBody>
+        </p:sp>
+      </p:grpSp>
+      <p:sp>
+        <p:nvSpPr>
+          <p:cNvPr id="53" name="TextBox 52"/>
           <p:cNvSpPr txBox="1"/>
           <p:nvPr/>
         </p:nvSpPr>
         <p:spPr>
           <a:xfrm>
-            <a:off x="5290496" y="4011386"/>
-            <a:ext cx="1262974" cy="369332"/>
+            <a:off x="866274" y="1567751"/>
+            <a:ext cx="856325" cy="369332"/>
           </a:xfrm>
           <a:prstGeom prst="rect">
             <a:avLst/>
@@ -12870,7 +12849,7 @@
           <a:p>
             <a:r>
               <a:rPr lang="en-US" dirty="0" smtClean="0"/>
-              <a:t>Experiment</a:t>
+              <a:t>Block 1</a:t>
             </a:r>
             <a:endParaRPr lang="en-US" dirty="0"/>
           </a:p>
@@ -12878,14 +12857,14 @@
       </p:sp>
       <p:sp>
         <p:nvSpPr>
-          <p:cNvPr id="41" name="TextBox 40"/>
+          <p:cNvPr id="54" name="TextBox 53"/>
           <p:cNvSpPr txBox="1"/>
           <p:nvPr/>
         </p:nvSpPr>
         <p:spPr>
           <a:xfrm>
-            <a:off x="2260383" y="2130382"/>
-            <a:ext cx="713850" cy="369332"/>
+            <a:off x="2682756" y="1567751"/>
+            <a:ext cx="856325" cy="369332"/>
           </a:xfrm>
           <a:prstGeom prst="rect">
             <a:avLst/>
@@ -12900,7 +12879,7 @@
           <a:p>
             <a:r>
               <a:rPr lang="en-US" dirty="0" smtClean="0"/>
-              <a:t>break</a:t>
+              <a:t>Block 2</a:t>
             </a:r>
             <a:endParaRPr lang="en-US" dirty="0"/>
           </a:p>
@@ -12908,14 +12887,14 @@
       </p:sp>
       <p:sp>
         <p:nvSpPr>
-          <p:cNvPr id="42" name="TextBox 41"/>
+          <p:cNvPr id="55" name="TextBox 54"/>
           <p:cNvSpPr txBox="1"/>
           <p:nvPr/>
         </p:nvSpPr>
         <p:spPr>
           <a:xfrm>
-            <a:off x="4619451" y="2130382"/>
-            <a:ext cx="713850" cy="369332"/>
+            <a:off x="4454631" y="1584079"/>
+            <a:ext cx="856325" cy="369332"/>
           </a:xfrm>
           <a:prstGeom prst="rect">
             <a:avLst/>
@@ -12930,7 +12909,7 @@
           <a:p>
             <a:r>
               <a:rPr lang="en-US" dirty="0" smtClean="0"/>
-              <a:t>break</a:t>
+              <a:t>Block 3</a:t>
             </a:r>
             <a:endParaRPr lang="en-US" dirty="0"/>
           </a:p>
@@ -12938,14 +12917,14 @@
       </p:sp>
       <p:sp>
         <p:nvSpPr>
-          <p:cNvPr id="43" name="TextBox 42"/>
+          <p:cNvPr id="56" name="TextBox 55"/>
           <p:cNvSpPr txBox="1"/>
           <p:nvPr/>
         </p:nvSpPr>
         <p:spPr>
           <a:xfrm>
-            <a:off x="6978519" y="2130382"/>
-            <a:ext cx="713850" cy="369332"/>
+            <a:off x="10560895" y="1584074"/>
+            <a:ext cx="973343" cy="369332"/>
           </a:xfrm>
           <a:prstGeom prst="rect">
             <a:avLst/>
@@ -12960,6 +12939,36 @@
           <a:p>
             <a:r>
               <a:rPr lang="en-US" dirty="0" smtClean="0"/>
+              <a:t>Block 10</a:t>
+            </a:r>
+            <a:endParaRPr lang="en-US" dirty="0"/>
+          </a:p>
+        </p:txBody>
+      </p:sp>
+      <p:sp>
+        <p:nvSpPr>
+          <p:cNvPr id="15" name="TextBox 14"/>
+          <p:cNvSpPr txBox="1"/>
+          <p:nvPr/>
+        </p:nvSpPr>
+        <p:spPr>
+          <a:xfrm>
+            <a:off x="1835559" y="2083051"/>
+            <a:ext cx="713850" cy="369332"/>
+          </a:xfrm>
+          <a:prstGeom prst="rect">
+            <a:avLst/>
+          </a:prstGeom>
+          <a:noFill/>
+        </p:spPr>
+        <p:txBody>
+          <a:bodyPr wrap="none" rtlCol="0">
+            <a:spAutoFit/>
+          </a:bodyPr>
+          <a:lstStyle/>
+          <a:p>
+            <a:r>
+              <a:rPr lang="en-US" dirty="0" smtClean="0"/>
               <a:t>break</a:t>
             </a:r>
             <a:endParaRPr lang="en-US" dirty="0"/>
@@ -12968,13 +12977,13 @@
       </p:sp>
       <p:sp>
         <p:nvSpPr>
-          <p:cNvPr id="44" name="TextBox 43"/>
+          <p:cNvPr id="57" name="TextBox 56"/>
           <p:cNvSpPr txBox="1"/>
           <p:nvPr/>
         </p:nvSpPr>
         <p:spPr>
           <a:xfrm>
-            <a:off x="9337587" y="2130382"/>
+            <a:off x="3621747" y="2083051"/>
             <a:ext cx="713850" cy="369332"/>
           </a:xfrm>
           <a:prstGeom prst="rect">
@@ -13009,9 +13018,109 @@
   <p:timing>
     <p:tnLst>
       <p:par>
-        <p:cTn id="1" dur="indefinite" restart="never" nodeType="tmRoot"/>
+        <p:cTn id="1" dur="indefinite" restart="never" nodeType="tmRoot">
+          <p:childTnLst>
+            <p:seq concurrent="1" nextAc="seek">
+              <p:cTn id="2" dur="indefinite" nodeType="mainSeq">
+                <p:childTnLst>
+                  <p:par>
+                    <p:cTn id="3" fill="hold">
+                      <p:stCondLst>
+                        <p:cond delay="indefinite"/>
+                        <p:cond evt="onBegin" delay="0">
+                          <p:tn val="2"/>
+                        </p:cond>
+                      </p:stCondLst>
+                      <p:childTnLst>
+                        <p:par>
+                          <p:cTn id="4" fill="hold">
+                            <p:stCondLst>
+                              <p:cond delay="0"/>
+                            </p:stCondLst>
+                            <p:childTnLst>
+                              <p:par>
+                                <p:cTn id="5" presetID="26" presetClass="emph" presetSubtype="0" fill="hold" grpId="1" nodeType="withEffect">
+                                  <p:stCondLst>
+                                    <p:cond delay="0"/>
+                                  </p:stCondLst>
+                                  <p:childTnLst>
+                                    <p:animEffect transition="out" filter="fade">
+                                      <p:cBhvr>
+                                        <p:cTn id="6" dur="500" tmFilter="0, 0; .2, .5; .8, .5; 1, 0"/>
+                                        <p:tgtEl>
+                                          <p:spTgt spid="15"/>
+                                        </p:tgtEl>
+                                      </p:cBhvr>
+                                    </p:animEffect>
+                                    <p:animScale>
+                                      <p:cBhvr>
+                                        <p:cTn id="7" dur="250" autoRev="1" fill="hold"/>
+                                        <p:tgtEl>
+                                          <p:spTgt spid="15"/>
+                                        </p:tgtEl>
+                                      </p:cBhvr>
+                                      <p:by x="105000" y="105000"/>
+                                    </p:animScale>
+                                  </p:childTnLst>
+                                </p:cTn>
+                              </p:par>
+                              <p:par>
+                                <p:cTn id="8" presetID="26" presetClass="emph" presetSubtype="0" fill="hold" grpId="1" nodeType="withEffect">
+                                  <p:stCondLst>
+                                    <p:cond delay="0"/>
+                                  </p:stCondLst>
+                                  <p:childTnLst>
+                                    <p:animEffect transition="out" filter="fade">
+                                      <p:cBhvr>
+                                        <p:cTn id="9" dur="500" tmFilter="0, 0; .2, .5; .8, .5; 1, 0"/>
+                                        <p:tgtEl>
+                                          <p:spTgt spid="57"/>
+                                        </p:tgtEl>
+                                      </p:cBhvr>
+                                    </p:animEffect>
+                                    <p:animScale>
+                                      <p:cBhvr>
+                                        <p:cTn id="10" dur="250" autoRev="1" fill="hold"/>
+                                        <p:tgtEl>
+                                          <p:spTgt spid="57"/>
+                                        </p:tgtEl>
+                                      </p:cBhvr>
+                                      <p:by x="105000" y="105000"/>
+                                    </p:animScale>
+                                  </p:childTnLst>
+                                </p:cTn>
+                              </p:par>
+                            </p:childTnLst>
+                          </p:cTn>
+                        </p:par>
+                      </p:childTnLst>
+                    </p:cTn>
+                  </p:par>
+                </p:childTnLst>
+              </p:cTn>
+              <p:prevCondLst>
+                <p:cond evt="onPrev" delay="0">
+                  <p:tgtEl>
+                    <p:sldTgt/>
+                  </p:tgtEl>
+                </p:cond>
+              </p:prevCondLst>
+              <p:nextCondLst>
+                <p:cond evt="onNext" delay="0">
+                  <p:tgtEl>
+                    <p:sldTgt/>
+                  </p:tgtEl>
+                </p:cond>
+              </p:nextCondLst>
+            </p:seq>
+          </p:childTnLst>
+        </p:cTn>
       </p:par>
     </p:tnLst>
+    <p:bldLst>
+      <p:bldP spid="15" grpId="1"/>
+      <p:bldP spid="57" grpId="1"/>
+    </p:bldLst>
   </p:timing>
 </p:sld>
 </file>
@@ -13072,8 +13181,8 @@
         </p:nvSpPr>
         <p:spPr>
           <a:xfrm>
-            <a:off x="2592803" y="1914114"/>
-            <a:ext cx="7112351" cy="1631216"/>
+            <a:off x="2592802" y="1452449"/>
+            <a:ext cx="7112351" cy="2554545"/>
           </a:xfrm>
           <a:prstGeom prst="rect">
             <a:avLst/>
@@ -13091,8 +13200,19 @@
                 <a:latin typeface="Arial" panose="020B0604020202020204" pitchFamily="34" charset="0"/>
                 <a:cs typeface="Arial" panose="020B0604020202020204" pitchFamily="34" charset="0"/>
               </a:rPr>
-              <a:t>Great Job! Your accuracy is 96.2%, average time: 2.4s</a:t>
-            </a:r>
+              <a:t>Great Job! </a:t>
+            </a:r>
+            <a:r>
+              <a:rPr lang="en-US" sz="2000" dirty="0" smtClean="0">
+                <a:latin typeface="Arial" panose="020B0604020202020204" pitchFamily="34" charset="0"/>
+                <a:cs typeface="Arial" panose="020B0604020202020204" pitchFamily="34" charset="0"/>
+              </a:rPr>
+              <a:t>Your performance this block:</a:t>
+            </a:r>
+            <a:endParaRPr lang="en-US" sz="2000" dirty="0" smtClean="0">
+              <a:latin typeface="Arial" panose="020B0604020202020204" pitchFamily="34" charset="0"/>
+              <a:cs typeface="Arial" panose="020B0604020202020204" pitchFamily="34" charset="0"/>
+            </a:endParaRPr>
           </a:p>
           <a:p>
             <a:r>
@@ -13124,13 +13244,63 @@
             </a:endParaRPr>
           </a:p>
           <a:p>
+            <a:endParaRPr lang="en-US" sz="2000" dirty="0" smtClean="0">
+              <a:latin typeface="Arial" panose="020B0604020202020204" pitchFamily="34" charset="0"/>
+              <a:cs typeface="Arial" panose="020B0604020202020204" pitchFamily="34" charset="0"/>
+            </a:endParaRPr>
+          </a:p>
+          <a:p>
+            <a:endParaRPr lang="en-US" sz="2000" dirty="0">
+              <a:latin typeface="Arial" panose="020B0604020202020204" pitchFamily="34" charset="0"/>
+              <a:cs typeface="Arial" panose="020B0604020202020204" pitchFamily="34" charset="0"/>
+            </a:endParaRPr>
+          </a:p>
+          <a:p>
+            <a:endParaRPr lang="en-US" sz="2000" dirty="0" smtClean="0">
+              <a:latin typeface="Arial" panose="020B0604020202020204" pitchFamily="34" charset="0"/>
+              <a:cs typeface="Arial" panose="020B0604020202020204" pitchFamily="34" charset="0"/>
+            </a:endParaRPr>
+          </a:p>
+          <a:p>
             <a:r>
               <a:rPr lang="en-US" sz="2000" dirty="0" smtClean="0">
                 <a:latin typeface="Arial" panose="020B0604020202020204" pitchFamily="34" charset="0"/>
                 <a:cs typeface="Arial" panose="020B0604020202020204" pitchFamily="34" charset="0"/>
               </a:rPr>
-              <a:t>You can now take a break. When you are ready to continue, place you fingers on X or M keys, then press either one.</a:t>
-            </a:r>
+              <a:t>You can now take a break. When you are ready to continue, place you fingers </a:t>
+            </a:r>
+            <a:r>
+              <a:rPr lang="en-US" sz="2000" dirty="0" smtClean="0">
+                <a:latin typeface="Arial" panose="020B0604020202020204" pitchFamily="34" charset="0"/>
+                <a:cs typeface="Arial" panose="020B0604020202020204" pitchFamily="34" charset="0"/>
+              </a:rPr>
+              <a:t>on any keys</a:t>
+            </a:r>
+            <a:r>
+              <a:rPr lang="en-US" sz="2000" dirty="0" smtClean="0">
+                <a:latin typeface="Arial" panose="020B0604020202020204" pitchFamily="34" charset="0"/>
+                <a:cs typeface="Arial" panose="020B0604020202020204" pitchFamily="34" charset="0"/>
+              </a:rPr>
+              <a:t>, </a:t>
+            </a:r>
+            <a:r>
+              <a:rPr lang="en-US" sz="2000" dirty="0" smtClean="0">
+                <a:latin typeface="Arial" panose="020B0604020202020204" pitchFamily="34" charset="0"/>
+                <a:cs typeface="Arial" panose="020B0604020202020204" pitchFamily="34" charset="0"/>
+              </a:rPr>
+              <a:t>and press</a:t>
+            </a:r>
+            <a:r>
+              <a:rPr lang="en-US" sz="2000" dirty="0" smtClean="0">
+                <a:latin typeface="Arial" panose="020B0604020202020204" pitchFamily="34" charset="0"/>
+                <a:cs typeface="Arial" panose="020B0604020202020204" pitchFamily="34" charset="0"/>
+              </a:rPr>
+              <a:t>.</a:t>
+            </a:r>
+            <a:endParaRPr lang="en-US" sz="2000" dirty="0" smtClean="0">
+              <a:latin typeface="Arial" panose="020B0604020202020204" pitchFamily="34" charset="0"/>
+              <a:cs typeface="Arial" panose="020B0604020202020204" pitchFamily="34" charset="0"/>
+            </a:endParaRPr>
           </a:p>
         </p:txBody>
       </p:sp>
@@ -13209,6 +13379,130 @@
               <a:t>Example similar to what you’ll see</a:t>
             </a:r>
             <a:endParaRPr lang="en-US" sz="2000" dirty="0"/>
+          </a:p>
+        </p:txBody>
+      </p:sp>
+      <p:sp>
+        <p:nvSpPr>
+          <p:cNvPr id="2" name="TextBox 1"/>
+          <p:cNvSpPr txBox="1"/>
+          <p:nvPr/>
+        </p:nvSpPr>
+        <p:spPr>
+          <a:xfrm>
+            <a:off x="4289975" y="2360389"/>
+            <a:ext cx="1076000" cy="369332"/>
+          </a:xfrm>
+          <a:prstGeom prst="rect">
+            <a:avLst/>
+          </a:prstGeom>
+          <a:noFill/>
+        </p:spPr>
+        <p:txBody>
+          <a:bodyPr wrap="none" rtlCol="0">
+            <a:spAutoFit/>
+          </a:bodyPr>
+          <a:lstStyle/>
+          <a:p>
+            <a:r>
+              <a:rPr lang="en-US" dirty="0" smtClean="0"/>
+              <a:t>Accuracy </a:t>
+            </a:r>
+            <a:endParaRPr lang="en-US" dirty="0"/>
+          </a:p>
+        </p:txBody>
+      </p:sp>
+      <p:sp>
+        <p:nvSpPr>
+          <p:cNvPr id="9" name="TextBox 8"/>
+          <p:cNvSpPr txBox="1"/>
+          <p:nvPr/>
+        </p:nvSpPr>
+        <p:spPr>
+          <a:xfrm>
+            <a:off x="6698673" y="2390844"/>
+            <a:ext cx="764953" cy="369332"/>
+          </a:xfrm>
+          <a:prstGeom prst="rect">
+            <a:avLst/>
+          </a:prstGeom>
+          <a:noFill/>
+        </p:spPr>
+        <p:txBody>
+          <a:bodyPr wrap="none" rtlCol="0">
+            <a:spAutoFit/>
+          </a:bodyPr>
+          <a:lstStyle/>
+          <a:p>
+            <a:r>
+              <a:rPr lang="en-US" dirty="0" smtClean="0"/>
+              <a:t>Speed</a:t>
+            </a:r>
+            <a:endParaRPr lang="en-US" dirty="0"/>
+          </a:p>
+        </p:txBody>
+      </p:sp>
+      <p:sp>
+        <p:nvSpPr>
+          <p:cNvPr id="3" name="TextBox 2"/>
+          <p:cNvSpPr txBox="1"/>
+          <p:nvPr/>
+        </p:nvSpPr>
+        <p:spPr>
+          <a:xfrm>
+            <a:off x="4536068" y="2766249"/>
+            <a:ext cx="583814" cy="369332"/>
+          </a:xfrm>
+          <a:prstGeom prst="rect">
+            <a:avLst/>
+          </a:prstGeom>
+          <a:noFill/>
+        </p:spPr>
+        <p:txBody>
+          <a:bodyPr wrap="none" rtlCol="0">
+            <a:spAutoFit/>
+          </a:bodyPr>
+          <a:lstStyle/>
+          <a:p>
+            <a:r>
+              <a:rPr lang="en-US" dirty="0" smtClean="0"/>
+              <a:t>97%</a:t>
+            </a:r>
+            <a:endParaRPr lang="en-US" dirty="0"/>
+          </a:p>
+        </p:txBody>
+      </p:sp>
+      <p:sp>
+        <p:nvSpPr>
+          <p:cNvPr id="10" name="TextBox 9"/>
+          <p:cNvSpPr txBox="1"/>
+          <p:nvPr/>
+        </p:nvSpPr>
+        <p:spPr>
+          <a:xfrm>
+            <a:off x="6816881" y="2772352"/>
+            <a:ext cx="566181" cy="369332"/>
+          </a:xfrm>
+          <a:prstGeom prst="rect">
+            <a:avLst/>
+          </a:prstGeom>
+          <a:noFill/>
+        </p:spPr>
+        <p:txBody>
+          <a:bodyPr wrap="none" rtlCol="0">
+            <a:spAutoFit/>
+          </a:bodyPr>
+          <a:lstStyle/>
+          <a:p>
+            <a:r>
+              <a:rPr lang="en-US" dirty="0"/>
+              <a:t>2</a:t>
+            </a:r>
+            <a:r>
+              <a:rPr lang="en-US" dirty="0" smtClean="0"/>
+              <a:t>.2s</a:t>
+            </a:r>
+            <a:endParaRPr lang="en-US" dirty="0"/>
           </a:p>
         </p:txBody>
       </p:sp>
@@ -13282,104 +13576,6 @@
       </p:sp>
       <p:sp>
         <p:nvSpPr>
-          <p:cNvPr id="6" name="TextBox 5"/>
-          <p:cNvSpPr txBox="1"/>
-          <p:nvPr/>
-        </p:nvSpPr>
-        <p:spPr>
-          <a:xfrm>
-            <a:off x="2592803" y="1914114"/>
-            <a:ext cx="7112351" cy="1631216"/>
-          </a:xfrm>
-          <a:prstGeom prst="rect">
-            <a:avLst/>
-          </a:prstGeom>
-          <a:noFill/>
-        </p:spPr>
-        <p:txBody>
-          <a:bodyPr wrap="square" rtlCol="0">
-            <a:spAutoFit/>
-          </a:bodyPr>
-          <a:lstStyle/>
-          <a:p>
-            <a:r>
-              <a:rPr lang="en-US" sz="2000" dirty="0" smtClean="0">
-                <a:latin typeface="Arial" panose="020B0604020202020204" pitchFamily="34" charset="0"/>
-                <a:cs typeface="Arial" panose="020B0604020202020204" pitchFamily="34" charset="0"/>
-              </a:rPr>
-              <a:t>Great Job! Your accuracy is 96.2%, average time: 2.4s</a:t>
-            </a:r>
-          </a:p>
-          <a:p>
-            <a:r>
-              <a:rPr lang="en-US" sz="2000" dirty="0" smtClean="0">
-                <a:latin typeface="Arial" panose="020B0604020202020204" pitchFamily="34" charset="0"/>
-                <a:cs typeface="Arial" panose="020B0604020202020204" pitchFamily="34" charset="0"/>
-              </a:rPr>
-              <a:t>Try </a:t>
-            </a:r>
-            <a:r>
-              <a:rPr lang="en-US" sz="2000" dirty="0">
-                <a:latin typeface="Arial" panose="020B0604020202020204" pitchFamily="34" charset="0"/>
-                <a:cs typeface="Arial" panose="020B0604020202020204" pitchFamily="34" charset="0"/>
-              </a:rPr>
-              <a:t>to answer more quickly to reduce your response time</a:t>
-            </a:r>
-            <a:r>
-              <a:rPr lang="en-US" sz="2000" dirty="0" smtClean="0">
-                <a:latin typeface="Arial" panose="020B0604020202020204" pitchFamily="34" charset="0"/>
-                <a:cs typeface="Arial" panose="020B0604020202020204" pitchFamily="34" charset="0"/>
-              </a:rPr>
-              <a:t>!</a:t>
-            </a:r>
-          </a:p>
-          <a:p>
-            <a:endParaRPr lang="en-US" sz="2000" dirty="0" smtClean="0">
-              <a:latin typeface="Arial" panose="020B0604020202020204" pitchFamily="34" charset="0"/>
-              <a:cs typeface="Arial" panose="020B0604020202020204" pitchFamily="34" charset="0"/>
-            </a:endParaRPr>
-          </a:p>
-          <a:p>
-            <a:r>
-              <a:rPr lang="en-US" sz="2000" dirty="0" smtClean="0">
-                <a:latin typeface="Arial" panose="020B0604020202020204" pitchFamily="34" charset="0"/>
-                <a:cs typeface="Arial" panose="020B0604020202020204" pitchFamily="34" charset="0"/>
-              </a:rPr>
-              <a:t>You can now take a break. </a:t>
-            </a:r>
-            <a:r>
-              <a:rPr lang="en-US" sz="2000" dirty="0">
-                <a:latin typeface="Arial" panose="020B0604020202020204" pitchFamily="34" charset="0"/>
-                <a:cs typeface="Arial" panose="020B0604020202020204" pitchFamily="34" charset="0"/>
-              </a:rPr>
-              <a:t>W</a:t>
-            </a:r>
-            <a:r>
-              <a:rPr lang="en-US" sz="2000" dirty="0" smtClean="0">
-                <a:latin typeface="Arial" panose="020B0604020202020204" pitchFamily="34" charset="0"/>
-                <a:cs typeface="Arial" panose="020B0604020202020204" pitchFamily="34" charset="0"/>
-              </a:rPr>
-              <a:t>hen you are ready to continue, </a:t>
-            </a:r>
-            <a:r>
-              <a:rPr lang="en-US" sz="2000" dirty="0">
-                <a:latin typeface="Arial" panose="020B0604020202020204" pitchFamily="34" charset="0"/>
-                <a:cs typeface="Arial" panose="020B0604020202020204" pitchFamily="34" charset="0"/>
-              </a:rPr>
-              <a:t>p</a:t>
-            </a:r>
-            <a:r>
-              <a:rPr lang="en-US" sz="2000" dirty="0" smtClean="0">
-                <a:latin typeface="Arial" panose="020B0604020202020204" pitchFamily="34" charset="0"/>
-                <a:cs typeface="Arial" panose="020B0604020202020204" pitchFamily="34" charset="0"/>
-              </a:rPr>
-              <a:t>lace you fingers on X or M keys, then press either one.</a:t>
-            </a:r>
-          </a:p>
-        </p:txBody>
-      </p:sp>
-      <p:sp>
-        <p:nvSpPr>
           <p:cNvPr id="7" name="Rectangle 6"/>
           <p:cNvSpPr/>
           <p:nvPr/>
@@ -13453,6 +13649,261 @@
               <a:t>Example similar to what you’ll see</a:t>
             </a:r>
             <a:endParaRPr lang="en-US" sz="2000" dirty="0"/>
+          </a:p>
+        </p:txBody>
+      </p:sp>
+      <p:sp>
+        <p:nvSpPr>
+          <p:cNvPr id="9" name="TextBox 8"/>
+          <p:cNvSpPr txBox="1"/>
+          <p:nvPr/>
+        </p:nvSpPr>
+        <p:spPr>
+          <a:xfrm>
+            <a:off x="2592802" y="1452449"/>
+            <a:ext cx="7112351" cy="2554545"/>
+          </a:xfrm>
+          <a:prstGeom prst="rect">
+            <a:avLst/>
+          </a:prstGeom>
+          <a:noFill/>
+        </p:spPr>
+        <p:txBody>
+          <a:bodyPr wrap="square" rtlCol="0">
+            <a:spAutoFit/>
+          </a:bodyPr>
+          <a:lstStyle/>
+          <a:p>
+            <a:r>
+              <a:rPr lang="en-US" sz="2000" dirty="0" smtClean="0">
+                <a:latin typeface="Arial" panose="020B0604020202020204" pitchFamily="34" charset="0"/>
+                <a:cs typeface="Arial" panose="020B0604020202020204" pitchFamily="34" charset="0"/>
+              </a:rPr>
+              <a:t>Great Job! </a:t>
+            </a:r>
+            <a:r>
+              <a:rPr lang="en-US" sz="2000" dirty="0" smtClean="0">
+                <a:latin typeface="Arial" panose="020B0604020202020204" pitchFamily="34" charset="0"/>
+                <a:cs typeface="Arial" panose="020B0604020202020204" pitchFamily="34" charset="0"/>
+              </a:rPr>
+              <a:t>Your performance this block:</a:t>
+            </a:r>
+            <a:endParaRPr lang="en-US" sz="2000" dirty="0" smtClean="0">
+              <a:latin typeface="Arial" panose="020B0604020202020204" pitchFamily="34" charset="0"/>
+              <a:cs typeface="Arial" panose="020B0604020202020204" pitchFamily="34" charset="0"/>
+            </a:endParaRPr>
+          </a:p>
+          <a:p>
+            <a:r>
+              <a:rPr lang="en-US" sz="2000" dirty="0" smtClean="0">
+                <a:latin typeface="Arial" panose="020B0604020202020204" pitchFamily="34" charset="0"/>
+                <a:cs typeface="Arial" panose="020B0604020202020204" pitchFamily="34" charset="0"/>
+              </a:rPr>
+              <a:t>Try </a:t>
+            </a:r>
+            <a:r>
+              <a:rPr lang="en-US" sz="2000" dirty="0">
+                <a:latin typeface="Arial" panose="020B0604020202020204" pitchFamily="34" charset="0"/>
+                <a:cs typeface="Arial" panose="020B0604020202020204" pitchFamily="34" charset="0"/>
+              </a:rPr>
+              <a:t>to answer more quickly to reduce your response time</a:t>
+            </a:r>
+            <a:r>
+              <a:rPr lang="en-US" sz="2000" dirty="0" smtClean="0">
+                <a:latin typeface="Arial" panose="020B0604020202020204" pitchFamily="34" charset="0"/>
+                <a:cs typeface="Arial" panose="020B0604020202020204" pitchFamily="34" charset="0"/>
+              </a:rPr>
+              <a:t>!</a:t>
+            </a:r>
+          </a:p>
+          <a:p>
+            <a:endParaRPr lang="en-US" sz="2000" dirty="0" smtClean="0">
+              <a:latin typeface="Arial" panose="020B0604020202020204" pitchFamily="34" charset="0"/>
+              <a:cs typeface="Arial" panose="020B0604020202020204" pitchFamily="34" charset="0"/>
+            </a:endParaRPr>
+          </a:p>
+          <a:p>
+            <a:endParaRPr lang="en-US" sz="2000" dirty="0" smtClean="0">
+              <a:latin typeface="Arial" panose="020B0604020202020204" pitchFamily="34" charset="0"/>
+              <a:cs typeface="Arial" panose="020B0604020202020204" pitchFamily="34" charset="0"/>
+            </a:endParaRPr>
+          </a:p>
+          <a:p>
+            <a:endParaRPr lang="en-US" sz="2000" dirty="0">
+              <a:latin typeface="Arial" panose="020B0604020202020204" pitchFamily="34" charset="0"/>
+              <a:cs typeface="Arial" panose="020B0604020202020204" pitchFamily="34" charset="0"/>
+            </a:endParaRPr>
+          </a:p>
+          <a:p>
+            <a:endParaRPr lang="en-US" sz="2000" dirty="0" smtClean="0">
+              <a:latin typeface="Arial" panose="020B0604020202020204" pitchFamily="34" charset="0"/>
+              <a:cs typeface="Arial" panose="020B0604020202020204" pitchFamily="34" charset="0"/>
+            </a:endParaRPr>
+          </a:p>
+          <a:p>
+            <a:r>
+              <a:rPr lang="en-US" sz="2000" dirty="0" smtClean="0">
+                <a:latin typeface="Arial" panose="020B0604020202020204" pitchFamily="34" charset="0"/>
+                <a:cs typeface="Arial" panose="020B0604020202020204" pitchFamily="34" charset="0"/>
+              </a:rPr>
+              <a:t>You can now take a break. When you are ready to continue, place you fingers </a:t>
+            </a:r>
+            <a:r>
+              <a:rPr lang="en-US" sz="2000" dirty="0" smtClean="0">
+                <a:latin typeface="Arial" panose="020B0604020202020204" pitchFamily="34" charset="0"/>
+                <a:cs typeface="Arial" panose="020B0604020202020204" pitchFamily="34" charset="0"/>
+              </a:rPr>
+              <a:t>on any keys</a:t>
+            </a:r>
+            <a:r>
+              <a:rPr lang="en-US" sz="2000" dirty="0" smtClean="0">
+                <a:latin typeface="Arial" panose="020B0604020202020204" pitchFamily="34" charset="0"/>
+                <a:cs typeface="Arial" panose="020B0604020202020204" pitchFamily="34" charset="0"/>
+              </a:rPr>
+              <a:t>, </a:t>
+            </a:r>
+            <a:r>
+              <a:rPr lang="en-US" sz="2000" dirty="0" smtClean="0">
+                <a:latin typeface="Arial" panose="020B0604020202020204" pitchFamily="34" charset="0"/>
+                <a:cs typeface="Arial" panose="020B0604020202020204" pitchFamily="34" charset="0"/>
+              </a:rPr>
+              <a:t>and press</a:t>
+            </a:r>
+            <a:r>
+              <a:rPr lang="en-US" sz="2000" dirty="0" smtClean="0">
+                <a:latin typeface="Arial" panose="020B0604020202020204" pitchFamily="34" charset="0"/>
+                <a:cs typeface="Arial" panose="020B0604020202020204" pitchFamily="34" charset="0"/>
+              </a:rPr>
+              <a:t>.</a:t>
+            </a:r>
+            <a:endParaRPr lang="en-US" sz="2000" dirty="0" smtClean="0">
+              <a:latin typeface="Arial" panose="020B0604020202020204" pitchFamily="34" charset="0"/>
+              <a:cs typeface="Arial" panose="020B0604020202020204" pitchFamily="34" charset="0"/>
+            </a:endParaRPr>
+          </a:p>
+        </p:txBody>
+      </p:sp>
+      <p:sp>
+        <p:nvSpPr>
+          <p:cNvPr id="10" name="TextBox 9"/>
+          <p:cNvSpPr txBox="1"/>
+          <p:nvPr/>
+        </p:nvSpPr>
+        <p:spPr>
+          <a:xfrm>
+            <a:off x="4289975" y="2360389"/>
+            <a:ext cx="1076000" cy="369332"/>
+          </a:xfrm>
+          <a:prstGeom prst="rect">
+            <a:avLst/>
+          </a:prstGeom>
+          <a:noFill/>
+        </p:spPr>
+        <p:txBody>
+          <a:bodyPr wrap="none" rtlCol="0">
+            <a:spAutoFit/>
+          </a:bodyPr>
+          <a:lstStyle/>
+          <a:p>
+            <a:r>
+              <a:rPr lang="en-US" dirty="0" smtClean="0"/>
+              <a:t>Accuracy </a:t>
+            </a:r>
+            <a:endParaRPr lang="en-US" dirty="0"/>
+          </a:p>
+        </p:txBody>
+      </p:sp>
+      <p:sp>
+        <p:nvSpPr>
+          <p:cNvPr id="11" name="TextBox 10"/>
+          <p:cNvSpPr txBox="1"/>
+          <p:nvPr/>
+        </p:nvSpPr>
+        <p:spPr>
+          <a:xfrm>
+            <a:off x="6698673" y="2390844"/>
+            <a:ext cx="764953" cy="369332"/>
+          </a:xfrm>
+          <a:prstGeom prst="rect">
+            <a:avLst/>
+          </a:prstGeom>
+          <a:noFill/>
+        </p:spPr>
+        <p:txBody>
+          <a:bodyPr wrap="none" rtlCol="0">
+            <a:spAutoFit/>
+          </a:bodyPr>
+          <a:lstStyle/>
+          <a:p>
+            <a:r>
+              <a:rPr lang="en-US" dirty="0" smtClean="0"/>
+              <a:t>Speed</a:t>
+            </a:r>
+            <a:endParaRPr lang="en-US" dirty="0"/>
+          </a:p>
+        </p:txBody>
+      </p:sp>
+      <p:sp>
+        <p:nvSpPr>
+          <p:cNvPr id="12" name="TextBox 11"/>
+          <p:cNvSpPr txBox="1"/>
+          <p:nvPr/>
+        </p:nvSpPr>
+        <p:spPr>
+          <a:xfrm>
+            <a:off x="4536068" y="2766249"/>
+            <a:ext cx="583814" cy="369332"/>
+          </a:xfrm>
+          <a:prstGeom prst="rect">
+            <a:avLst/>
+          </a:prstGeom>
+          <a:noFill/>
+        </p:spPr>
+        <p:txBody>
+          <a:bodyPr wrap="none" rtlCol="0">
+            <a:spAutoFit/>
+          </a:bodyPr>
+          <a:lstStyle/>
+          <a:p>
+            <a:r>
+              <a:rPr lang="en-US" dirty="0" smtClean="0"/>
+              <a:t>97%</a:t>
+            </a:r>
+            <a:endParaRPr lang="en-US" dirty="0"/>
+          </a:p>
+        </p:txBody>
+      </p:sp>
+      <p:sp>
+        <p:nvSpPr>
+          <p:cNvPr id="13" name="TextBox 12"/>
+          <p:cNvSpPr txBox="1"/>
+          <p:nvPr/>
+        </p:nvSpPr>
+        <p:spPr>
+          <a:xfrm>
+            <a:off x="6816881" y="2772352"/>
+            <a:ext cx="566181" cy="369332"/>
+          </a:xfrm>
+          <a:prstGeom prst="rect">
+            <a:avLst/>
+          </a:prstGeom>
+          <a:noFill/>
+        </p:spPr>
+        <p:txBody>
+          <a:bodyPr wrap="none" rtlCol="0">
+            <a:spAutoFit/>
+          </a:bodyPr>
+          <a:lstStyle/>
+          <a:p>
+            <a:r>
+              <a:rPr lang="en-US" dirty="0"/>
+              <a:t>2</a:t>
+            </a:r>
+            <a:r>
+              <a:rPr lang="en-US" dirty="0" smtClean="0"/>
+              <a:t>.2s</a:t>
+            </a:r>
+            <a:endParaRPr lang="en-US" dirty="0"/>
           </a:p>
         </p:txBody>
       </p:sp>
@@ -13564,11 +14015,11 @@
   <p:clrMapOvr>
     <a:masterClrMapping/>
   </p:clrMapOvr>
-  <mc:AlternateContent xmlns:mc="http://schemas.openxmlformats.org/markup-compatibility/2006">
-    <mc:Choice xmlns:p14="http://schemas.microsoft.com/office/powerpoint/2010/main" Requires="p14">
+  <mc:AlternateContent xmlns:mc="http://schemas.openxmlformats.org/markup-compatibility/2006" xmlns:p14="http://schemas.microsoft.com/office/powerpoint/2010/main">
+    <mc:Choice Requires="p14">
       <p:transition spd="slow" p14:dur="2000"/>
     </mc:Choice>
-    <mc:Fallback>
+    <mc:Fallback xmlns="">
       <p:transition spd="slow"/>
     </mc:Fallback>
   </mc:AlternateContent>
@@ -13671,11 +14122,11 @@
   <p:clrMapOvr>
     <a:masterClrMapping/>
   </p:clrMapOvr>
-  <mc:AlternateContent xmlns:mc="http://schemas.openxmlformats.org/markup-compatibility/2006">
-    <mc:Choice xmlns:p14="http://schemas.microsoft.com/office/powerpoint/2010/main" Requires="p14">
+  <mc:AlternateContent xmlns:mc="http://schemas.openxmlformats.org/markup-compatibility/2006" xmlns:p14="http://schemas.microsoft.com/office/powerpoint/2010/main">
+    <mc:Choice Requires="p14">
       <p:transition spd="slow" p14:dur="2000"/>
     </mc:Choice>
-    <mc:Fallback>
+    <mc:Fallback xmlns="">
       <p:transition spd="slow"/>
     </mc:Fallback>
   </mc:AlternateContent>
@@ -13731,23 +14182,7 @@
             <a:pPr algn="ctr"/>
             <a:r>
               <a:rPr lang="en-US" sz="2400" dirty="0" smtClean="0"/>
-              <a:t>Place your </a:t>
-            </a:r>
-            <a:r>
-              <a:rPr lang="en-US" sz="2400" dirty="0" smtClean="0"/>
-              <a:t>fingers </a:t>
-            </a:r>
-            <a:r>
-              <a:rPr lang="en-US" sz="2400" dirty="0" smtClean="0"/>
-              <a:t>on the </a:t>
-            </a:r>
-            <a:r>
-              <a:rPr lang="en-US" sz="2400" dirty="0" smtClean="0"/>
-              <a:t>buttons, </a:t>
-            </a:r>
-            <a:r>
-              <a:rPr lang="en-US" sz="2400" dirty="0" smtClean="0"/>
-              <a:t>the experiment will now start</a:t>
+              <a:t>Place your fingers on the buttons, the experiment will now start</a:t>
             </a:r>
             <a:endParaRPr lang="en-US" sz="2400" dirty="0"/>
           </a:p>
@@ -14743,11 +15178,11 @@
   <p:clrMapOvr>
     <a:masterClrMapping/>
   </p:clrMapOvr>
-  <mc:AlternateContent xmlns:mc="http://schemas.openxmlformats.org/markup-compatibility/2006">
-    <mc:Choice xmlns:p14="http://schemas.microsoft.com/office/powerpoint/2010/main" Requires="p14">
+  <mc:AlternateContent xmlns:mc="http://schemas.openxmlformats.org/markup-compatibility/2006" xmlns:p14="http://schemas.microsoft.com/office/powerpoint/2010/main">
+    <mc:Choice Requires="p14">
       <p:transition spd="slow" p14:dur="2000"/>
     </mc:Choice>
-    <mc:Fallback>
+    <mc:Fallback xmlns="">
       <p:transition spd="slow"/>
     </mc:Fallback>
   </mc:AlternateContent>
@@ -15058,11 +15493,11 @@
   <p:clrMapOvr>
     <a:masterClrMapping/>
   </p:clrMapOvr>
-  <mc:AlternateContent xmlns:mc="http://schemas.openxmlformats.org/markup-compatibility/2006">
-    <mc:Choice xmlns:p14="http://schemas.microsoft.com/office/powerpoint/2010/main" Requires="p14">
+  <mc:AlternateContent xmlns:mc="http://schemas.openxmlformats.org/markup-compatibility/2006" xmlns:p14="http://schemas.microsoft.com/office/powerpoint/2010/main">
+    <mc:Choice Requires="p14">
       <p:transition spd="slow" p14:dur="2000"/>
     </mc:Choice>
-    <mc:Fallback>
+    <mc:Fallback xmlns="">
       <p:transition spd="slow"/>
     </mc:Fallback>
   </mc:AlternateContent>
@@ -15164,11 +15599,11 @@
   <p:clrMapOvr>
     <a:masterClrMapping/>
   </p:clrMapOvr>
-  <mc:AlternateContent xmlns:mc="http://schemas.openxmlformats.org/markup-compatibility/2006">
-    <mc:Choice xmlns:p14="http://schemas.microsoft.com/office/powerpoint/2010/main" Requires="p14">
+  <mc:AlternateContent xmlns:mc="http://schemas.openxmlformats.org/markup-compatibility/2006" xmlns:p14="http://schemas.microsoft.com/office/powerpoint/2010/main">
+    <mc:Choice Requires="p14">
       <p:transition spd="slow" p14:dur="2000"/>
     </mc:Choice>
-    <mc:Fallback>
+    <mc:Fallback xmlns="">
       <p:transition spd="slow"/>
     </mc:Fallback>
   </mc:AlternateContent>
